--- a/clean-code-java.pptx
+++ b/clean-code-java.pptx
@@ -38443,7 +38443,7 @@
                 <a:cs typeface="JetBrains Mono"/>
                 <a:sym typeface="JetBrains Mono"/>
               </a:rPr>
-              <a:t>ComparisonResult </a:t>
+              <a:t>Pair&lt;ComparisonResult, ESType[]&gt; </a:t>
             </a:r>
             <a:r>
               <a:rPr lang="ru" sz="1000">
@@ -38473,7 +38473,7 @@
                 <a:cs typeface="JetBrains Mono"/>
                 <a:sym typeface="JetBrains Mono"/>
               </a:rPr>
-              <a:t>(</a:t>
+              <a:t>(ESType[] first, ESType[] second) {</a:t>
             </a:r>
             <a:endParaRPr sz="1000">
               <a:solidFill>
@@ -38516,7 +38516,37 @@
                 <a:cs typeface="JetBrains Mono"/>
                 <a:sym typeface="JetBrains Mono"/>
               </a:rPr>
-              <a:t>       ESType[] first, ESType[] second, out ESType[] merged) {</a:t>
+              <a:t>   merged = </a:t>
+            </a:r>
+            <a:r>
+              <a:rPr lang="ru" sz="1000">
+                <a:solidFill>
+                  <a:srgbClr val="0033B3"/>
+                </a:solidFill>
+                <a:highlight>
+                  <a:srgbClr val="FFFFFF"/>
+                </a:highlight>
+                <a:latin typeface="JetBrains Mono"/>
+                <a:ea typeface="JetBrains Mono"/>
+                <a:cs typeface="JetBrains Mono"/>
+                <a:sym typeface="JetBrains Mono"/>
+              </a:rPr>
+              <a:t>null</a:t>
+            </a:r>
+            <a:r>
+              <a:rPr lang="ru" sz="1000">
+                <a:solidFill>
+                  <a:srgbClr val="080808"/>
+                </a:solidFill>
+                <a:highlight>
+                  <a:srgbClr val="FFFFFF"/>
+                </a:highlight>
+                <a:latin typeface="JetBrains Mono"/>
+                <a:ea typeface="JetBrains Mono"/>
+                <a:cs typeface="JetBrains Mono"/>
+                <a:sym typeface="JetBrains Mono"/>
+              </a:rPr>
+              <a:t>;</a:t>
             </a:r>
             <a:endParaRPr sz="1000">
               <a:solidFill>
@@ -38559,7 +38589,37 @@
                 <a:cs typeface="JetBrains Mono"/>
                 <a:sym typeface="JetBrains Mono"/>
               </a:rPr>
-              <a:t>   merged = </a:t>
+              <a:t>   ESType[] </a:t>
+            </a:r>
+            <a:r>
+              <a:rPr lang="ru" sz="1000">
+                <a:solidFill>
+                  <a:schemeClr val="dk1"/>
+                </a:solidFill>
+                <a:highlight>
+                  <a:srgbClr val="FFFFFF"/>
+                </a:highlight>
+                <a:latin typeface="JetBrains Mono"/>
+                <a:ea typeface="JetBrains Mono"/>
+                <a:cs typeface="JetBrains Mono"/>
+                <a:sym typeface="JetBrains Mono"/>
+              </a:rPr>
+              <a:t>result </a:t>
+            </a:r>
+            <a:r>
+              <a:rPr lang="ru" sz="1000">
+                <a:solidFill>
+                  <a:srgbClr val="080808"/>
+                </a:solidFill>
+                <a:highlight>
+                  <a:srgbClr val="FFFFFF"/>
+                </a:highlight>
+                <a:latin typeface="JetBrains Mono"/>
+                <a:ea typeface="JetBrains Mono"/>
+                <a:cs typeface="JetBrains Mono"/>
+                <a:sym typeface="JetBrains Mono"/>
+              </a:rPr>
+              <a:t>= </a:t>
             </a:r>
             <a:r>
               <a:rPr lang="ru" sz="1000">
@@ -38632,12 +38692,12 @@
                 <a:cs typeface="JetBrains Mono"/>
                 <a:sym typeface="JetBrains Mono"/>
               </a:rPr>
-              <a:t>   ESType[] </a:t>
+              <a:t>   </a:t>
             </a:r>
             <a:r>
               <a:rPr lang="ru" sz="1000">
                 <a:solidFill>
-                  <a:schemeClr val="dk1"/>
+                  <a:srgbClr val="0033B3"/>
                 </a:solidFill>
                 <a:highlight>
                   <a:srgbClr val="FFFFFF"/>
@@ -38647,7 +38707,7 @@
                 <a:cs typeface="JetBrains Mono"/>
                 <a:sym typeface="JetBrains Mono"/>
               </a:rPr>
-              <a:t>result </a:t>
+              <a:t>for</a:t>
             </a:r>
             <a:r>
               <a:rPr lang="ru" sz="1000">
@@ -38662,7 +38722,7 @@
                 <a:cs typeface="JetBrains Mono"/>
                 <a:sym typeface="JetBrains Mono"/>
               </a:rPr>
-              <a:t>= </a:t>
+              <a:t>(</a:t>
             </a:r>
             <a:r>
               <a:rPr lang="ru" sz="1000">
@@ -38677,12 +38737,12 @@
                 <a:cs typeface="JetBrains Mono"/>
                 <a:sym typeface="JetBrains Mono"/>
               </a:rPr>
-              <a:t>null</a:t>
+              <a:t>var </a:t>
             </a:r>
             <a:r>
               <a:rPr lang="ru" sz="1000">
                 <a:solidFill>
-                  <a:srgbClr val="080808"/>
+                  <a:schemeClr val="dk1"/>
                 </a:solidFill>
                 <a:highlight>
                   <a:srgbClr val="FFFFFF"/>
@@ -38692,7 +38752,142 @@
                 <a:cs typeface="JetBrains Mono"/>
                 <a:sym typeface="JetBrains Mono"/>
               </a:rPr>
-              <a:t>;</a:t>
+              <a:t>i </a:t>
+            </a:r>
+            <a:r>
+              <a:rPr lang="ru" sz="1000">
+                <a:solidFill>
+                  <a:srgbClr val="080808"/>
+                </a:solidFill>
+                <a:highlight>
+                  <a:srgbClr val="FFFFFF"/>
+                </a:highlight>
+                <a:latin typeface="JetBrains Mono"/>
+                <a:ea typeface="JetBrains Mono"/>
+                <a:cs typeface="JetBrains Mono"/>
+                <a:sym typeface="JetBrains Mono"/>
+              </a:rPr>
+              <a:t>= </a:t>
+            </a:r>
+            <a:r>
+              <a:rPr lang="ru" sz="1000">
+                <a:solidFill>
+                  <a:srgbClr val="1750EB"/>
+                </a:solidFill>
+                <a:highlight>
+                  <a:srgbClr val="FFFFFF"/>
+                </a:highlight>
+                <a:latin typeface="JetBrains Mono"/>
+                <a:ea typeface="JetBrains Mono"/>
+                <a:cs typeface="JetBrains Mono"/>
+                <a:sym typeface="JetBrains Mono"/>
+              </a:rPr>
+              <a:t>0</a:t>
+            </a:r>
+            <a:r>
+              <a:rPr lang="ru" sz="1000">
+                <a:solidFill>
+                  <a:srgbClr val="080808"/>
+                </a:solidFill>
+                <a:highlight>
+                  <a:srgbClr val="FFFFFF"/>
+                </a:highlight>
+                <a:latin typeface="JetBrains Mono"/>
+                <a:ea typeface="JetBrains Mono"/>
+                <a:cs typeface="JetBrains Mono"/>
+                <a:sym typeface="JetBrains Mono"/>
+              </a:rPr>
+              <a:t>; </a:t>
+            </a:r>
+            <a:r>
+              <a:rPr lang="ru" sz="1000">
+                <a:solidFill>
+                  <a:schemeClr val="dk1"/>
+                </a:solidFill>
+                <a:highlight>
+                  <a:srgbClr val="FFFFFF"/>
+                </a:highlight>
+                <a:latin typeface="JetBrains Mono"/>
+                <a:ea typeface="JetBrains Mono"/>
+                <a:cs typeface="JetBrains Mono"/>
+                <a:sym typeface="JetBrains Mono"/>
+              </a:rPr>
+              <a:t>i </a:t>
+            </a:r>
+            <a:r>
+              <a:rPr lang="ru" sz="1000">
+                <a:solidFill>
+                  <a:srgbClr val="080808"/>
+                </a:solidFill>
+                <a:highlight>
+                  <a:srgbClr val="FFFFFF"/>
+                </a:highlight>
+                <a:latin typeface="JetBrains Mono"/>
+                <a:ea typeface="JetBrains Mono"/>
+                <a:cs typeface="JetBrains Mono"/>
+                <a:sym typeface="JetBrains Mono"/>
+              </a:rPr>
+              <a:t>&lt; first.</a:t>
+            </a:r>
+            <a:r>
+              <a:rPr lang="ru" sz="1000">
+                <a:solidFill>
+                  <a:srgbClr val="871094"/>
+                </a:solidFill>
+                <a:highlight>
+                  <a:srgbClr val="FFFFFF"/>
+                </a:highlight>
+                <a:latin typeface="JetBrains Mono"/>
+                <a:ea typeface="JetBrains Mono"/>
+                <a:cs typeface="JetBrains Mono"/>
+                <a:sym typeface="JetBrains Mono"/>
+              </a:rPr>
+              <a:t>length</a:t>
+            </a:r>
+            <a:r>
+              <a:rPr lang="ru" sz="1000">
+                <a:solidFill>
+                  <a:srgbClr val="080808"/>
+                </a:solidFill>
+                <a:highlight>
+                  <a:srgbClr val="FFFFFF"/>
+                </a:highlight>
+                <a:latin typeface="JetBrains Mono"/>
+                <a:ea typeface="JetBrains Mono"/>
+                <a:cs typeface="JetBrains Mono"/>
+                <a:sym typeface="JetBrains Mono"/>
+              </a:rPr>
+              <a:t>; ++</a:t>
+            </a:r>
+            <a:r>
+              <a:rPr lang="ru" sz="1000">
+                <a:solidFill>
+                  <a:schemeClr val="dk1"/>
+                </a:solidFill>
+                <a:highlight>
+                  <a:srgbClr val="FFFFFF"/>
+                </a:highlight>
+                <a:latin typeface="JetBrains Mono"/>
+                <a:ea typeface="JetBrains Mono"/>
+                <a:cs typeface="JetBrains Mono"/>
+                <a:sym typeface="JetBrains Mono"/>
+              </a:rPr>
+              <a:t>i</a:t>
+            </a:r>
+            <a:r>
+              <a:rPr lang="ru" sz="1000">
+                <a:solidFill>
+                  <a:srgbClr val="080808"/>
+                </a:solidFill>
+                <a:highlight>
+                  <a:srgbClr val="FFFFFF"/>
+                </a:highlight>
+                <a:latin typeface="JetBrains Mono"/>
+                <a:ea typeface="JetBrains Mono"/>
+                <a:cs typeface="JetBrains Mono"/>
+                <a:sym typeface="JetBrains Mono"/>
+              </a:rPr>
+              <a:t>) {</a:t>
             </a:r>
             <a:endParaRPr sz="1000">
               <a:solidFill>
@@ -38735,7 +38930,7 @@
                 <a:cs typeface="JetBrains Mono"/>
                 <a:sym typeface="JetBrains Mono"/>
               </a:rPr>
-              <a:t>   </a:t>
+              <a:t>       </a:t>
             </a:r>
             <a:r>
               <a:rPr lang="ru" sz="1000">
@@ -38750,12 +38945,12 @@
                 <a:cs typeface="JetBrains Mono"/>
                 <a:sym typeface="JetBrains Mono"/>
               </a:rPr>
-              <a:t>for</a:t>
+              <a:t>var </a:t>
             </a:r>
             <a:r>
               <a:rPr lang="ru" sz="1000">
                 <a:solidFill>
-                  <a:srgbClr val="080808"/>
+                  <a:schemeClr val="dk1"/>
                 </a:solidFill>
                 <a:highlight>
                   <a:srgbClr val="FFFFFF"/>
@@ -38765,12 +38960,12 @@
                 <a:cs typeface="JetBrains Mono"/>
                 <a:sym typeface="JetBrains Mono"/>
               </a:rPr>
-              <a:t>(</a:t>
+              <a:t>firstCLIType </a:t>
             </a:r>
             <a:r>
               <a:rPr lang="ru" sz="1000">
                 <a:solidFill>
-                  <a:srgbClr val="0033B3"/>
+                  <a:srgbClr val="080808"/>
                 </a:solidFill>
                 <a:highlight>
                   <a:srgbClr val="FFFFFF"/>
@@ -38780,7 +38975,7 @@
                 <a:cs typeface="JetBrains Mono"/>
                 <a:sym typeface="JetBrains Mono"/>
               </a:rPr>
-              <a:t>var </a:t>
+              <a:t>= toCLIType(first[</a:t>
             </a:r>
             <a:r>
               <a:rPr lang="ru" sz="1000">
@@ -38795,7 +38990,7 @@
                 <a:cs typeface="JetBrains Mono"/>
                 <a:sym typeface="JetBrains Mono"/>
               </a:rPr>
-              <a:t>i </a:t>
+              <a:t>i</a:t>
             </a:r>
             <a:r>
               <a:rPr lang="ru" sz="1000">
@@ -38810,127 +39005,7 @@
                 <a:cs typeface="JetBrains Mono"/>
                 <a:sym typeface="JetBrains Mono"/>
               </a:rPr>
-              <a:t>= </a:t>
-            </a:r>
-            <a:r>
-              <a:rPr lang="ru" sz="1000">
-                <a:solidFill>
-                  <a:srgbClr val="1750EB"/>
-                </a:solidFill>
-                <a:highlight>
-                  <a:srgbClr val="FFFFFF"/>
-                </a:highlight>
-                <a:latin typeface="JetBrains Mono"/>
-                <a:ea typeface="JetBrains Mono"/>
-                <a:cs typeface="JetBrains Mono"/>
-                <a:sym typeface="JetBrains Mono"/>
-              </a:rPr>
-              <a:t>0</a:t>
-            </a:r>
-            <a:r>
-              <a:rPr lang="ru" sz="1000">
-                <a:solidFill>
-                  <a:srgbClr val="080808"/>
-                </a:solidFill>
-                <a:highlight>
-                  <a:srgbClr val="FFFFFF"/>
-                </a:highlight>
-                <a:latin typeface="JetBrains Mono"/>
-                <a:ea typeface="JetBrains Mono"/>
-                <a:cs typeface="JetBrains Mono"/>
-                <a:sym typeface="JetBrains Mono"/>
-              </a:rPr>
-              <a:t>; </a:t>
-            </a:r>
-            <a:r>
-              <a:rPr lang="ru" sz="1000">
-                <a:solidFill>
-                  <a:schemeClr val="dk1"/>
-                </a:solidFill>
-                <a:highlight>
-                  <a:srgbClr val="FFFFFF"/>
-                </a:highlight>
-                <a:latin typeface="JetBrains Mono"/>
-                <a:ea typeface="JetBrains Mono"/>
-                <a:cs typeface="JetBrains Mono"/>
-                <a:sym typeface="JetBrains Mono"/>
-              </a:rPr>
-              <a:t>i </a:t>
-            </a:r>
-            <a:r>
-              <a:rPr lang="ru" sz="1000">
-                <a:solidFill>
-                  <a:srgbClr val="080808"/>
-                </a:solidFill>
-                <a:highlight>
-                  <a:srgbClr val="FFFFFF"/>
-                </a:highlight>
-                <a:latin typeface="JetBrains Mono"/>
-                <a:ea typeface="JetBrains Mono"/>
-                <a:cs typeface="JetBrains Mono"/>
-                <a:sym typeface="JetBrains Mono"/>
-              </a:rPr>
-              <a:t>&lt; first.</a:t>
-            </a:r>
-            <a:r>
-              <a:rPr lang="ru" sz="1000">
-                <a:solidFill>
-                  <a:srgbClr val="871094"/>
-                </a:solidFill>
-                <a:highlight>
-                  <a:srgbClr val="FFFFFF"/>
-                </a:highlight>
-                <a:latin typeface="JetBrains Mono"/>
-                <a:ea typeface="JetBrains Mono"/>
-                <a:cs typeface="JetBrains Mono"/>
-                <a:sym typeface="JetBrains Mono"/>
-              </a:rPr>
-              <a:t>length</a:t>
-            </a:r>
-            <a:r>
-              <a:rPr lang="ru" sz="1000">
-                <a:solidFill>
-                  <a:srgbClr val="080808"/>
-                </a:solidFill>
-                <a:highlight>
-                  <a:srgbClr val="FFFFFF"/>
-                </a:highlight>
-                <a:latin typeface="JetBrains Mono"/>
-                <a:ea typeface="JetBrains Mono"/>
-                <a:cs typeface="JetBrains Mono"/>
-                <a:sym typeface="JetBrains Mono"/>
-              </a:rPr>
-              <a:t>; ++</a:t>
-            </a:r>
-            <a:r>
-              <a:rPr lang="ru" sz="1000">
-                <a:solidFill>
-                  <a:schemeClr val="dk1"/>
-                </a:solidFill>
-                <a:highlight>
-                  <a:srgbClr val="FFFFFF"/>
-                </a:highlight>
-                <a:latin typeface="JetBrains Mono"/>
-                <a:ea typeface="JetBrains Mono"/>
-                <a:cs typeface="JetBrains Mono"/>
-                <a:sym typeface="JetBrains Mono"/>
-              </a:rPr>
-              <a:t>i</a:t>
-            </a:r>
-            <a:r>
-              <a:rPr lang="ru" sz="1000">
-                <a:solidFill>
-                  <a:srgbClr val="080808"/>
-                </a:solidFill>
-                <a:highlight>
-                  <a:srgbClr val="FFFFFF"/>
-                </a:highlight>
-                <a:latin typeface="JetBrains Mono"/>
-                <a:ea typeface="JetBrains Mono"/>
-                <a:cs typeface="JetBrains Mono"/>
-                <a:sym typeface="JetBrains Mono"/>
-              </a:rPr>
-              <a:t>) {</a:t>
+              <a:t>]);</a:t>
             </a:r>
             <a:endParaRPr sz="1000">
               <a:solidFill>
@@ -39003,7 +39078,7 @@
                 <a:cs typeface="JetBrains Mono"/>
                 <a:sym typeface="JetBrains Mono"/>
               </a:rPr>
-              <a:t>firstCLIType </a:t>
+              <a:t>secondCLIType </a:t>
             </a:r>
             <a:r>
               <a:rPr lang="ru" sz="1000">
@@ -39018,7 +39093,7 @@
                 <a:cs typeface="JetBrains Mono"/>
                 <a:sym typeface="JetBrains Mono"/>
               </a:rPr>
-              <a:t>= toCLIType(first[</a:t>
+              <a:t>= toCLIType(second[</a:t>
             </a:r>
             <a:r>
               <a:rPr lang="ru" sz="1000">
@@ -39106,12 +39181,12 @@
                 <a:cs typeface="JetBrains Mono"/>
                 <a:sym typeface="JetBrains Mono"/>
               </a:rPr>
-              <a:t>var </a:t>
+              <a:t>if</a:t>
             </a:r>
             <a:r>
               <a:rPr lang="ru" sz="1000">
                 <a:solidFill>
-                  <a:schemeClr val="dk1"/>
+                  <a:srgbClr val="080808"/>
                 </a:solidFill>
                 <a:highlight>
                   <a:srgbClr val="FFFFFF"/>
@@ -39121,12 +39196,12 @@
                 <a:cs typeface="JetBrains Mono"/>
                 <a:sym typeface="JetBrains Mono"/>
               </a:rPr>
-              <a:t>secondCLIType </a:t>
+              <a:t>(</a:t>
             </a:r>
             <a:r>
               <a:rPr lang="ru" sz="1000">
                 <a:solidFill>
-                  <a:srgbClr val="080808"/>
+                  <a:schemeClr val="dk1"/>
                 </a:solidFill>
                 <a:highlight>
                   <a:srgbClr val="FFFFFF"/>
@@ -39136,12 +39211,12 @@
                 <a:cs typeface="JetBrains Mono"/>
                 <a:sym typeface="JetBrains Mono"/>
               </a:rPr>
-              <a:t>= toCLIType(second[</a:t>
+              <a:t>firstCLIType </a:t>
             </a:r>
             <a:r>
               <a:rPr lang="ru" sz="1000">
                 <a:solidFill>
-                  <a:schemeClr val="dk1"/>
+                  <a:srgbClr val="080808"/>
                 </a:solidFill>
                 <a:highlight>
                   <a:srgbClr val="FFFFFF"/>
@@ -39151,12 +39226,12 @@
                 <a:cs typeface="JetBrains Mono"/>
                 <a:sym typeface="JetBrains Mono"/>
               </a:rPr>
-              <a:t>i</a:t>
+              <a:t>!= </a:t>
             </a:r>
             <a:r>
               <a:rPr lang="ru" sz="1000">
                 <a:solidFill>
-                  <a:srgbClr val="080808"/>
+                  <a:schemeClr val="dk1"/>
                 </a:solidFill>
                 <a:highlight>
                   <a:srgbClr val="FFFFFF"/>
@@ -39166,7 +39241,22 @@
                 <a:cs typeface="JetBrains Mono"/>
                 <a:sym typeface="JetBrains Mono"/>
               </a:rPr>
-              <a:t>]);</a:t>
+              <a:t>secondCLIType</a:t>
+            </a:r>
+            <a:r>
+              <a:rPr lang="ru" sz="1000">
+                <a:solidFill>
+                  <a:srgbClr val="080808"/>
+                </a:solidFill>
+                <a:highlight>
+                  <a:srgbClr val="FFFFFF"/>
+                </a:highlight>
+                <a:latin typeface="JetBrains Mono"/>
+                <a:ea typeface="JetBrains Mono"/>
+                <a:cs typeface="JetBrains Mono"/>
+                <a:sym typeface="JetBrains Mono"/>
+              </a:rPr>
+              <a:t>)</a:t>
             </a:r>
             <a:endParaRPr sz="1000">
               <a:solidFill>
@@ -39209,7 +39299,7 @@
                 <a:cs typeface="JetBrains Mono"/>
                 <a:sym typeface="JetBrains Mono"/>
               </a:rPr>
-              <a:t>       </a:t>
+              <a:t>           </a:t>
             </a:r>
             <a:r>
               <a:rPr lang="ru" sz="1000">
@@ -39224,7 +39314,7 @@
                 <a:cs typeface="JetBrains Mono"/>
                 <a:sym typeface="JetBrains Mono"/>
               </a:rPr>
-              <a:t>if</a:t>
+              <a:t>return new Pair(</a:t>
             </a:r>
             <a:r>
               <a:rPr lang="ru" sz="1000">
@@ -39239,67 +39329,7 @@
                 <a:cs typeface="JetBrains Mono"/>
                 <a:sym typeface="JetBrains Mono"/>
               </a:rPr>
-              <a:t>(</a:t>
-            </a:r>
-            <a:r>
-              <a:rPr lang="ru" sz="1000">
-                <a:solidFill>
-                  <a:schemeClr val="dk1"/>
-                </a:solidFill>
-                <a:highlight>
-                  <a:srgbClr val="FFFFFF"/>
-                </a:highlight>
-                <a:latin typeface="JetBrains Mono"/>
-                <a:ea typeface="JetBrains Mono"/>
-                <a:cs typeface="JetBrains Mono"/>
-                <a:sym typeface="JetBrains Mono"/>
-              </a:rPr>
-              <a:t>firstCLIType </a:t>
-            </a:r>
-            <a:r>
-              <a:rPr lang="ru" sz="1000">
-                <a:solidFill>
-                  <a:srgbClr val="080808"/>
-                </a:solidFill>
-                <a:highlight>
-                  <a:srgbClr val="FFFFFF"/>
-                </a:highlight>
-                <a:latin typeface="JetBrains Mono"/>
-                <a:ea typeface="JetBrains Mono"/>
-                <a:cs typeface="JetBrains Mono"/>
-                <a:sym typeface="JetBrains Mono"/>
-              </a:rPr>
-              <a:t>!= </a:t>
-            </a:r>
-            <a:r>
-              <a:rPr lang="ru" sz="1000">
-                <a:solidFill>
-                  <a:schemeClr val="dk1"/>
-                </a:solidFill>
-                <a:highlight>
-                  <a:srgbClr val="FFFFFF"/>
-                </a:highlight>
-                <a:latin typeface="JetBrains Mono"/>
-                <a:ea typeface="JetBrains Mono"/>
-                <a:cs typeface="JetBrains Mono"/>
-                <a:sym typeface="JetBrains Mono"/>
-              </a:rPr>
-              <a:t>secondCLIType</a:t>
-            </a:r>
-            <a:r>
-              <a:rPr lang="ru" sz="1000">
-                <a:solidFill>
-                  <a:srgbClr val="080808"/>
-                </a:solidFill>
-                <a:highlight>
-                  <a:srgbClr val="FFFFFF"/>
-                </a:highlight>
-                <a:latin typeface="JetBrains Mono"/>
-                <a:ea typeface="JetBrains Mono"/>
-                <a:cs typeface="JetBrains Mono"/>
-                <a:sym typeface="JetBrains Mono"/>
-              </a:rPr>
-              <a:t>)</a:t>
+              <a:t>ComparisonResult.INCONSISTENT, new ESType[]{});</a:t>
             </a:r>
             <a:endParaRPr sz="1000">
               <a:solidFill>
@@ -39342,7 +39372,7 @@
                 <a:cs typeface="JetBrains Mono"/>
                 <a:sym typeface="JetBrains Mono"/>
               </a:rPr>
-              <a:t>           </a:t>
+              <a:t>       </a:t>
             </a:r>
             <a:r>
               <a:rPr lang="ru" sz="1000">
@@ -39357,7 +39387,7 @@
                 <a:cs typeface="JetBrains Mono"/>
                 <a:sym typeface="JetBrains Mono"/>
               </a:rPr>
-              <a:t>return </a:t>
+              <a:t>if</a:t>
             </a:r>
             <a:r>
               <a:rPr lang="ru" sz="1000">
@@ -39372,7 +39402,67 @@
                 <a:cs typeface="JetBrains Mono"/>
                 <a:sym typeface="JetBrains Mono"/>
               </a:rPr>
-              <a:t>ComparisonResult.INCONSISTENT;</a:t>
+              <a:t>(!equalESTypes(first[</a:t>
+            </a:r>
+            <a:r>
+              <a:rPr lang="ru" sz="1000">
+                <a:solidFill>
+                  <a:schemeClr val="dk1"/>
+                </a:solidFill>
+                <a:highlight>
+                  <a:srgbClr val="FFFFFF"/>
+                </a:highlight>
+                <a:latin typeface="JetBrains Mono"/>
+                <a:ea typeface="JetBrains Mono"/>
+                <a:cs typeface="JetBrains Mono"/>
+                <a:sym typeface="JetBrains Mono"/>
+              </a:rPr>
+              <a:t>i</a:t>
+            </a:r>
+            <a:r>
+              <a:rPr lang="ru" sz="1000">
+                <a:solidFill>
+                  <a:srgbClr val="080808"/>
+                </a:solidFill>
+                <a:highlight>
+                  <a:srgbClr val="FFFFFF"/>
+                </a:highlight>
+                <a:latin typeface="JetBrains Mono"/>
+                <a:ea typeface="JetBrains Mono"/>
+                <a:cs typeface="JetBrains Mono"/>
+                <a:sym typeface="JetBrains Mono"/>
+              </a:rPr>
+              <a:t>], second[</a:t>
+            </a:r>
+            <a:r>
+              <a:rPr lang="ru" sz="1000">
+                <a:solidFill>
+                  <a:schemeClr val="dk1"/>
+                </a:solidFill>
+                <a:highlight>
+                  <a:srgbClr val="FFFFFF"/>
+                </a:highlight>
+                <a:latin typeface="JetBrains Mono"/>
+                <a:ea typeface="JetBrains Mono"/>
+                <a:cs typeface="JetBrains Mono"/>
+                <a:sym typeface="JetBrains Mono"/>
+              </a:rPr>
+              <a:t>i</a:t>
+            </a:r>
+            <a:r>
+              <a:rPr lang="ru" sz="1000">
+                <a:solidFill>
+                  <a:srgbClr val="080808"/>
+                </a:solidFill>
+                <a:highlight>
+                  <a:srgbClr val="FFFFFF"/>
+                </a:highlight>
+                <a:latin typeface="JetBrains Mono"/>
+                <a:ea typeface="JetBrains Mono"/>
+                <a:cs typeface="JetBrains Mono"/>
+                <a:sym typeface="JetBrains Mono"/>
+              </a:rPr>
+              <a:t>])) {</a:t>
             </a:r>
             <a:endParaRPr sz="1000">
               <a:solidFill>
@@ -39415,7 +39505,7 @@
                 <a:cs typeface="JetBrains Mono"/>
                 <a:sym typeface="JetBrains Mono"/>
               </a:rPr>
-              <a:t>       </a:t>
+              <a:t>           </a:t>
             </a:r>
             <a:r>
               <a:rPr lang="ru" sz="1000">
@@ -39430,12 +39520,12 @@
                 <a:cs typeface="JetBrains Mono"/>
                 <a:sym typeface="JetBrains Mono"/>
               </a:rPr>
-              <a:t>if</a:t>
+              <a:t>var </a:t>
             </a:r>
             <a:r>
               <a:rPr lang="ru" sz="1000">
                 <a:solidFill>
-                  <a:srgbClr val="080808"/>
+                  <a:schemeClr val="dk1"/>
                 </a:solidFill>
                 <a:highlight>
                   <a:srgbClr val="FFFFFF"/>
@@ -39445,12 +39535,12 @@
                 <a:cs typeface="JetBrains Mono"/>
                 <a:sym typeface="JetBrains Mono"/>
               </a:rPr>
-              <a:t>(!equalESTypes(first[</a:t>
+              <a:t>common </a:t>
             </a:r>
             <a:r>
               <a:rPr lang="ru" sz="1000">
                 <a:solidFill>
-                  <a:schemeClr val="dk1"/>
+                  <a:srgbClr val="080808"/>
                 </a:solidFill>
                 <a:highlight>
                   <a:srgbClr val="FFFFFF"/>
@@ -39460,12 +39550,12 @@
                 <a:cs typeface="JetBrains Mono"/>
                 <a:sym typeface="JetBrains Mono"/>
               </a:rPr>
-              <a:t>i</a:t>
+              <a:t>= findCommonType(</a:t>
             </a:r>
             <a:r>
               <a:rPr lang="ru" sz="1000">
                 <a:solidFill>
-                  <a:srgbClr val="080808"/>
+                  <a:schemeClr val="dk1"/>
                 </a:solidFill>
                 <a:highlight>
                   <a:srgbClr val="FFFFFF"/>
@@ -39475,12 +39565,12 @@
                 <a:cs typeface="JetBrains Mono"/>
                 <a:sym typeface="JetBrains Mono"/>
               </a:rPr>
-              <a:t>], second[</a:t>
+              <a:t>firstCLIType</a:t>
             </a:r>
             <a:r>
               <a:rPr lang="ru" sz="1000">
                 <a:solidFill>
-                  <a:schemeClr val="dk1"/>
+                  <a:srgbClr val="080808"/>
                 </a:solidFill>
                 <a:highlight>
                   <a:srgbClr val="FFFFFF"/>
@@ -39490,12 +39580,12 @@
                 <a:cs typeface="JetBrains Mono"/>
                 <a:sym typeface="JetBrains Mono"/>
               </a:rPr>
-              <a:t>i</a:t>
+              <a:t>, first[</a:t>
             </a:r>
             <a:r>
               <a:rPr lang="ru" sz="1000">
                 <a:solidFill>
-                  <a:srgbClr val="080808"/>
+                  <a:schemeClr val="dk1"/>
                 </a:solidFill>
                 <a:highlight>
                   <a:srgbClr val="FFFFFF"/>
@@ -39505,7 +39595,52 @@
                 <a:cs typeface="JetBrains Mono"/>
                 <a:sym typeface="JetBrains Mono"/>
               </a:rPr>
-              <a:t>])) {</a:t>
+              <a:t>i</a:t>
+            </a:r>
+            <a:r>
+              <a:rPr lang="ru" sz="1000">
+                <a:solidFill>
+                  <a:srgbClr val="080808"/>
+                </a:solidFill>
+                <a:highlight>
+                  <a:srgbClr val="FFFFFF"/>
+                </a:highlight>
+                <a:latin typeface="JetBrains Mono"/>
+                <a:ea typeface="JetBrains Mono"/>
+                <a:cs typeface="JetBrains Mono"/>
+                <a:sym typeface="JetBrains Mono"/>
+              </a:rPr>
+              <a:t>], second[</a:t>
+            </a:r>
+            <a:r>
+              <a:rPr lang="ru" sz="1000">
+                <a:solidFill>
+                  <a:schemeClr val="dk1"/>
+                </a:solidFill>
+                <a:highlight>
+                  <a:srgbClr val="FFFFFF"/>
+                </a:highlight>
+                <a:latin typeface="JetBrains Mono"/>
+                <a:ea typeface="JetBrains Mono"/>
+                <a:cs typeface="JetBrains Mono"/>
+                <a:sym typeface="JetBrains Mono"/>
+              </a:rPr>
+              <a:t>i</a:t>
+            </a:r>
+            <a:r>
+              <a:rPr lang="ru" sz="1000">
+                <a:solidFill>
+                  <a:srgbClr val="080808"/>
+                </a:solidFill>
+                <a:highlight>
+                  <a:srgbClr val="FFFFFF"/>
+                </a:highlight>
+                <a:latin typeface="JetBrains Mono"/>
+                <a:ea typeface="JetBrains Mono"/>
+                <a:cs typeface="JetBrains Mono"/>
+                <a:sym typeface="JetBrains Mono"/>
+              </a:rPr>
+              <a:t>]);</a:t>
             </a:r>
             <a:endParaRPr sz="1000">
               <a:solidFill>
@@ -39563,12 +39698,12 @@
                 <a:cs typeface="JetBrains Mono"/>
                 <a:sym typeface="JetBrains Mono"/>
               </a:rPr>
-              <a:t>var </a:t>
+              <a:t>if</a:t>
             </a:r>
             <a:r>
               <a:rPr lang="ru" sz="1000">
                 <a:solidFill>
-                  <a:schemeClr val="dk1"/>
+                  <a:srgbClr val="080808"/>
                 </a:solidFill>
                 <a:highlight>
                   <a:srgbClr val="FFFFFF"/>
@@ -39578,12 +39713,12 @@
                 <a:cs typeface="JetBrains Mono"/>
                 <a:sym typeface="JetBrains Mono"/>
               </a:rPr>
-              <a:t>common </a:t>
+              <a:t>(</a:t>
             </a:r>
             <a:r>
               <a:rPr lang="ru" sz="1000">
                 <a:solidFill>
-                  <a:srgbClr val="080808"/>
+                  <a:schemeClr val="dk1"/>
                 </a:solidFill>
                 <a:highlight>
                   <a:srgbClr val="FFFFFF"/>
@@ -39593,12 +39728,12 @@
                 <a:cs typeface="JetBrains Mono"/>
                 <a:sym typeface="JetBrains Mono"/>
               </a:rPr>
-              <a:t>= findCommonType(</a:t>
+              <a:t>common </a:t>
             </a:r>
             <a:r>
               <a:rPr lang="ru" sz="1000">
                 <a:solidFill>
-                  <a:schemeClr val="dk1"/>
+                  <a:srgbClr val="080808"/>
                 </a:solidFill>
                 <a:highlight>
                   <a:srgbClr val="FFFFFF"/>
@@ -39608,12 +39743,12 @@
                 <a:cs typeface="JetBrains Mono"/>
                 <a:sym typeface="JetBrains Mono"/>
               </a:rPr>
-              <a:t>firstCLIType</a:t>
+              <a:t>== </a:t>
             </a:r>
             <a:r>
               <a:rPr lang="ru" sz="1000">
                 <a:solidFill>
-                  <a:srgbClr val="080808"/>
+                  <a:srgbClr val="0033B3"/>
                 </a:solidFill>
                 <a:highlight>
                   <a:srgbClr val="FFFFFF"/>
@@ -39623,12 +39758,12 @@
                 <a:cs typeface="JetBrains Mono"/>
                 <a:sym typeface="JetBrains Mono"/>
               </a:rPr>
-              <a:t>, first[</a:t>
+              <a:t>null</a:t>
             </a:r>
             <a:r>
               <a:rPr lang="ru" sz="1000">
                 <a:solidFill>
-                  <a:schemeClr val="dk1"/>
+                  <a:srgbClr val="080808"/>
                 </a:solidFill>
                 <a:highlight>
                   <a:srgbClr val="FFFFFF"/>
@@ -39638,52 +39773,7 @@
                 <a:cs typeface="JetBrains Mono"/>
                 <a:sym typeface="JetBrains Mono"/>
               </a:rPr>
-              <a:t>i</a:t>
-            </a:r>
-            <a:r>
-              <a:rPr lang="ru" sz="1000">
-                <a:solidFill>
-                  <a:srgbClr val="080808"/>
-                </a:solidFill>
-                <a:highlight>
-                  <a:srgbClr val="FFFFFF"/>
-                </a:highlight>
-                <a:latin typeface="JetBrains Mono"/>
-                <a:ea typeface="JetBrains Mono"/>
-                <a:cs typeface="JetBrains Mono"/>
-                <a:sym typeface="JetBrains Mono"/>
-              </a:rPr>
-              <a:t>], second[</a:t>
-            </a:r>
-            <a:r>
-              <a:rPr lang="ru" sz="1000">
-                <a:solidFill>
-                  <a:schemeClr val="dk1"/>
-                </a:solidFill>
-                <a:highlight>
-                  <a:srgbClr val="FFFFFF"/>
-                </a:highlight>
-                <a:latin typeface="JetBrains Mono"/>
-                <a:ea typeface="JetBrains Mono"/>
-                <a:cs typeface="JetBrains Mono"/>
-                <a:sym typeface="JetBrains Mono"/>
-              </a:rPr>
-              <a:t>i</a:t>
-            </a:r>
-            <a:r>
-              <a:rPr lang="ru" sz="1000">
-                <a:solidFill>
-                  <a:srgbClr val="080808"/>
-                </a:solidFill>
-                <a:highlight>
-                  <a:srgbClr val="FFFFFF"/>
-                </a:highlight>
-                <a:latin typeface="JetBrains Mono"/>
-                <a:ea typeface="JetBrains Mono"/>
-                <a:cs typeface="JetBrains Mono"/>
-                <a:sym typeface="JetBrains Mono"/>
-              </a:rPr>
-              <a:t>]);</a:t>
+              <a:t>)</a:t>
             </a:r>
             <a:endParaRPr sz="1000">
               <a:solidFill>
@@ -39726,7 +39816,7 @@
                 <a:cs typeface="JetBrains Mono"/>
                 <a:sym typeface="JetBrains Mono"/>
               </a:rPr>
-              <a:t>           </a:t>
+              <a:t>               </a:t>
             </a:r>
             <a:r>
               <a:rPr lang="ru" sz="1000">
@@ -39741,7 +39831,7 @@
                 <a:cs typeface="JetBrains Mono"/>
                 <a:sym typeface="JetBrains Mono"/>
               </a:rPr>
-              <a:t>if</a:t>
+              <a:t>return new Pair(</a:t>
             </a:r>
             <a:r>
               <a:rPr lang="ru" sz="1000">
@@ -39756,67 +39846,7 @@
                 <a:cs typeface="JetBrains Mono"/>
                 <a:sym typeface="JetBrains Mono"/>
               </a:rPr>
-              <a:t>(</a:t>
-            </a:r>
-            <a:r>
-              <a:rPr lang="ru" sz="1000">
-                <a:solidFill>
-                  <a:schemeClr val="dk1"/>
-                </a:solidFill>
-                <a:highlight>
-                  <a:srgbClr val="FFFFFF"/>
-                </a:highlight>
-                <a:latin typeface="JetBrains Mono"/>
-                <a:ea typeface="JetBrains Mono"/>
-                <a:cs typeface="JetBrains Mono"/>
-                <a:sym typeface="JetBrains Mono"/>
-              </a:rPr>
-              <a:t>common </a:t>
-            </a:r>
-            <a:r>
-              <a:rPr lang="ru" sz="1000">
-                <a:solidFill>
-                  <a:srgbClr val="080808"/>
-                </a:solidFill>
-                <a:highlight>
-                  <a:srgbClr val="FFFFFF"/>
-                </a:highlight>
-                <a:latin typeface="JetBrains Mono"/>
-                <a:ea typeface="JetBrains Mono"/>
-                <a:cs typeface="JetBrains Mono"/>
-                <a:sym typeface="JetBrains Mono"/>
-              </a:rPr>
-              <a:t>== </a:t>
-            </a:r>
-            <a:r>
-              <a:rPr lang="ru" sz="1000">
-                <a:solidFill>
-                  <a:srgbClr val="0033B3"/>
-                </a:solidFill>
-                <a:highlight>
-                  <a:srgbClr val="FFFFFF"/>
-                </a:highlight>
-                <a:latin typeface="JetBrains Mono"/>
-                <a:ea typeface="JetBrains Mono"/>
-                <a:cs typeface="JetBrains Mono"/>
-                <a:sym typeface="JetBrains Mono"/>
-              </a:rPr>
-              <a:t>null</a:t>
-            </a:r>
-            <a:r>
-              <a:rPr lang="ru" sz="1000">
-                <a:solidFill>
-                  <a:srgbClr val="080808"/>
-                </a:solidFill>
-                <a:highlight>
-                  <a:srgbClr val="FFFFFF"/>
-                </a:highlight>
-                <a:latin typeface="JetBrains Mono"/>
-                <a:ea typeface="JetBrains Mono"/>
-                <a:cs typeface="JetBrains Mono"/>
-                <a:sym typeface="JetBrains Mono"/>
-              </a:rPr>
-              <a:t>)</a:t>
+              <a:t>ComparisonResult.INCONSISTENT, new ESType[]{});</a:t>
             </a:r>
             <a:endParaRPr sz="1000">
               <a:solidFill>
@@ -39859,7 +39889,7 @@
                 <a:cs typeface="JetBrains Mono"/>
                 <a:sym typeface="JetBrains Mono"/>
               </a:rPr>
-              <a:t>               </a:t>
+              <a:t>           </a:t>
             </a:r>
             <a:r>
               <a:rPr lang="ru" sz="1000">
@@ -39874,7 +39904,7 @@
                 <a:cs typeface="JetBrains Mono"/>
                 <a:sym typeface="JetBrains Mono"/>
               </a:rPr>
-              <a:t>return </a:t>
+              <a:t>if</a:t>
             </a:r>
             <a:r>
               <a:rPr lang="ru" sz="1000">
@@ -39889,7 +39919,67 @@
                 <a:cs typeface="JetBrains Mono"/>
                 <a:sym typeface="JetBrains Mono"/>
               </a:rPr>
-              <a:t>ComparisonResult.INCONSISTENT;</a:t>
+              <a:t>(</a:t>
+            </a:r>
+            <a:r>
+              <a:rPr lang="ru" sz="1000">
+                <a:solidFill>
+                  <a:schemeClr val="dk1"/>
+                </a:solidFill>
+                <a:highlight>
+                  <a:srgbClr val="FFFFFF"/>
+                </a:highlight>
+                <a:latin typeface="JetBrains Mono"/>
+                <a:ea typeface="JetBrains Mono"/>
+                <a:cs typeface="JetBrains Mono"/>
+                <a:sym typeface="JetBrains Mono"/>
+              </a:rPr>
+              <a:t>result </a:t>
+            </a:r>
+            <a:r>
+              <a:rPr lang="ru" sz="1000">
+                <a:solidFill>
+                  <a:srgbClr val="080808"/>
+                </a:solidFill>
+                <a:highlight>
+                  <a:srgbClr val="FFFFFF"/>
+                </a:highlight>
+                <a:latin typeface="JetBrains Mono"/>
+                <a:ea typeface="JetBrains Mono"/>
+                <a:cs typeface="JetBrains Mono"/>
+                <a:sym typeface="JetBrains Mono"/>
+              </a:rPr>
+              <a:t>== </a:t>
+            </a:r>
+            <a:r>
+              <a:rPr lang="ru" sz="1000">
+                <a:solidFill>
+                  <a:srgbClr val="0033B3"/>
+                </a:solidFill>
+                <a:highlight>
+                  <a:srgbClr val="FFFFFF"/>
+                </a:highlight>
+                <a:latin typeface="JetBrains Mono"/>
+                <a:ea typeface="JetBrains Mono"/>
+                <a:cs typeface="JetBrains Mono"/>
+                <a:sym typeface="JetBrains Mono"/>
+              </a:rPr>
+              <a:t>null</a:t>
+            </a:r>
+            <a:r>
+              <a:rPr lang="ru" sz="1000">
+                <a:solidFill>
+                  <a:srgbClr val="080808"/>
+                </a:solidFill>
+                <a:highlight>
+                  <a:srgbClr val="FFFFFF"/>
+                </a:highlight>
+                <a:latin typeface="JetBrains Mono"/>
+                <a:ea typeface="JetBrains Mono"/>
+                <a:cs typeface="JetBrains Mono"/>
+                <a:sym typeface="JetBrains Mono"/>
+              </a:rPr>
+              <a:t>) {</a:t>
             </a:r>
             <a:endParaRPr sz="1000">
               <a:solidFill>
@@ -39932,12 +40022,12 @@
                 <a:cs typeface="JetBrains Mono"/>
                 <a:sym typeface="JetBrains Mono"/>
               </a:rPr>
-              <a:t>           </a:t>
+              <a:t>               </a:t>
             </a:r>
             <a:r>
               <a:rPr lang="ru" sz="1000">
                 <a:solidFill>
-                  <a:srgbClr val="0033B3"/>
+                  <a:schemeClr val="dk1"/>
                 </a:solidFill>
                 <a:highlight>
                   <a:srgbClr val="FFFFFF"/>
@@ -39947,7 +40037,7 @@
                 <a:cs typeface="JetBrains Mono"/>
                 <a:sym typeface="JetBrains Mono"/>
               </a:rPr>
-              <a:t>if</a:t>
+              <a:t>result </a:t>
             </a:r>
             <a:r>
               <a:rPr lang="ru" sz="1000">
@@ -39962,12 +40052,12 @@
                 <a:cs typeface="JetBrains Mono"/>
                 <a:sym typeface="JetBrains Mono"/>
               </a:rPr>
-              <a:t>(</a:t>
+              <a:t>= </a:t>
             </a:r>
             <a:r>
               <a:rPr lang="ru" sz="1000">
                 <a:solidFill>
-                  <a:schemeClr val="dk1"/>
+                  <a:srgbClr val="0033B3"/>
                 </a:solidFill>
                 <a:highlight>
                   <a:srgbClr val="FFFFFF"/>
@@ -39977,7 +40067,7 @@
                 <a:cs typeface="JetBrains Mono"/>
                 <a:sym typeface="JetBrains Mono"/>
               </a:rPr>
-              <a:t>result </a:t>
+              <a:t>new </a:t>
             </a:r>
             <a:r>
               <a:rPr lang="ru" sz="1000">
@@ -39992,12 +40082,12 @@
                 <a:cs typeface="JetBrains Mono"/>
                 <a:sym typeface="JetBrains Mono"/>
               </a:rPr>
-              <a:t>== </a:t>
+              <a:t>ESType[first.</a:t>
             </a:r>
             <a:r>
               <a:rPr lang="ru" sz="1000">
                 <a:solidFill>
-                  <a:srgbClr val="0033B3"/>
+                  <a:srgbClr val="871094"/>
                 </a:solidFill>
                 <a:highlight>
                   <a:srgbClr val="FFFFFF"/>
@@ -40007,7 +40097,7 @@
                 <a:cs typeface="JetBrains Mono"/>
                 <a:sym typeface="JetBrains Mono"/>
               </a:rPr>
-              <a:t>null</a:t>
+              <a:t>length</a:t>
             </a:r>
             <a:r>
               <a:rPr lang="ru" sz="1000">
@@ -40022,7 +40112,7 @@
                 <a:cs typeface="JetBrains Mono"/>
                 <a:sym typeface="JetBrains Mono"/>
               </a:rPr>
-              <a:t>) {</a:t>
+              <a:t>];</a:t>
             </a:r>
             <a:endParaRPr sz="1000">
               <a:solidFill>
@@ -40070,7 +40160,7 @@
             <a:r>
               <a:rPr lang="ru" sz="1000">
                 <a:solidFill>
-                  <a:schemeClr val="dk1"/>
+                  <a:srgbClr val="0033B3"/>
                 </a:solidFill>
                 <a:highlight>
                   <a:srgbClr val="FFFFFF"/>
@@ -40080,7 +40170,7 @@
                 <a:cs typeface="JetBrains Mono"/>
                 <a:sym typeface="JetBrains Mono"/>
               </a:rPr>
-              <a:t>result </a:t>
+              <a:t>for</a:t>
             </a:r>
             <a:r>
               <a:rPr lang="ru" sz="1000">
@@ -40095,7 +40185,7 @@
                 <a:cs typeface="JetBrains Mono"/>
                 <a:sym typeface="JetBrains Mono"/>
               </a:rPr>
-              <a:t>= </a:t>
+              <a:t>(</a:t>
             </a:r>
             <a:r>
               <a:rPr lang="ru" sz="1000">
@@ -40110,12 +40200,12 @@
                 <a:cs typeface="JetBrains Mono"/>
                 <a:sym typeface="JetBrains Mono"/>
               </a:rPr>
-              <a:t>new </a:t>
+              <a:t>var </a:t>
             </a:r>
             <a:r>
               <a:rPr lang="ru" sz="1000">
                 <a:solidFill>
-                  <a:srgbClr val="080808"/>
+                  <a:schemeClr val="dk1"/>
                 </a:solidFill>
                 <a:highlight>
                   <a:srgbClr val="FFFFFF"/>
@@ -40125,12 +40215,12 @@
                 <a:cs typeface="JetBrains Mono"/>
                 <a:sym typeface="JetBrains Mono"/>
               </a:rPr>
-              <a:t>ESType[first.</a:t>
+              <a:t>j </a:t>
             </a:r>
             <a:r>
               <a:rPr lang="ru" sz="1000">
                 <a:solidFill>
-                  <a:srgbClr val="871094"/>
+                  <a:srgbClr val="080808"/>
                 </a:solidFill>
                 <a:highlight>
                   <a:srgbClr val="FFFFFF"/>
@@ -40140,12 +40230,12 @@
                 <a:cs typeface="JetBrains Mono"/>
                 <a:sym typeface="JetBrains Mono"/>
               </a:rPr>
-              <a:t>length</a:t>
+              <a:t>= </a:t>
             </a:r>
             <a:r>
               <a:rPr lang="ru" sz="1000">
                 <a:solidFill>
-                  <a:srgbClr val="080808"/>
+                  <a:srgbClr val="1750EB"/>
                 </a:solidFill>
                 <a:highlight>
                   <a:srgbClr val="FFFFFF"/>
@@ -40155,7 +40245,112 @@
                 <a:cs typeface="JetBrains Mono"/>
                 <a:sym typeface="JetBrains Mono"/>
               </a:rPr>
-              <a:t>];</a:t>
+              <a:t>0</a:t>
+            </a:r>
+            <a:r>
+              <a:rPr lang="ru" sz="1000">
+                <a:solidFill>
+                  <a:srgbClr val="080808"/>
+                </a:solidFill>
+                <a:highlight>
+                  <a:srgbClr val="FFFFFF"/>
+                </a:highlight>
+                <a:latin typeface="JetBrains Mono"/>
+                <a:ea typeface="JetBrains Mono"/>
+                <a:cs typeface="JetBrains Mono"/>
+                <a:sym typeface="JetBrains Mono"/>
+              </a:rPr>
+              <a:t>; </a:t>
+            </a:r>
+            <a:r>
+              <a:rPr lang="ru" sz="1000">
+                <a:solidFill>
+                  <a:schemeClr val="dk1"/>
+                </a:solidFill>
+                <a:highlight>
+                  <a:srgbClr val="FFFFFF"/>
+                </a:highlight>
+                <a:latin typeface="JetBrains Mono"/>
+                <a:ea typeface="JetBrains Mono"/>
+                <a:cs typeface="JetBrains Mono"/>
+                <a:sym typeface="JetBrains Mono"/>
+              </a:rPr>
+              <a:t>j </a:t>
+            </a:r>
+            <a:r>
+              <a:rPr lang="ru" sz="1000">
+                <a:solidFill>
+                  <a:srgbClr val="080808"/>
+                </a:solidFill>
+                <a:highlight>
+                  <a:srgbClr val="FFFFFF"/>
+                </a:highlight>
+                <a:latin typeface="JetBrains Mono"/>
+                <a:ea typeface="JetBrains Mono"/>
+                <a:cs typeface="JetBrains Mono"/>
+                <a:sym typeface="JetBrains Mono"/>
+              </a:rPr>
+              <a:t>&lt; </a:t>
+            </a:r>
+            <a:r>
+              <a:rPr lang="ru" sz="1000">
+                <a:solidFill>
+                  <a:schemeClr val="dk1"/>
+                </a:solidFill>
+                <a:highlight>
+                  <a:srgbClr val="FFFFFF"/>
+                </a:highlight>
+                <a:latin typeface="JetBrains Mono"/>
+                <a:ea typeface="JetBrains Mono"/>
+                <a:cs typeface="JetBrains Mono"/>
+                <a:sym typeface="JetBrains Mono"/>
+              </a:rPr>
+              <a:t>i</a:t>
+            </a:r>
+            <a:r>
+              <a:rPr lang="ru" sz="1000">
+                <a:solidFill>
+                  <a:srgbClr val="080808"/>
+                </a:solidFill>
+                <a:highlight>
+                  <a:srgbClr val="FFFFFF"/>
+                </a:highlight>
+                <a:latin typeface="JetBrains Mono"/>
+                <a:ea typeface="JetBrains Mono"/>
+                <a:cs typeface="JetBrains Mono"/>
+                <a:sym typeface="JetBrains Mono"/>
+              </a:rPr>
+              <a:t>; ++</a:t>
+            </a:r>
+            <a:r>
+              <a:rPr lang="ru" sz="1000">
+                <a:solidFill>
+                  <a:schemeClr val="dk1"/>
+                </a:solidFill>
+                <a:highlight>
+                  <a:srgbClr val="FFFFFF"/>
+                </a:highlight>
+                <a:latin typeface="JetBrains Mono"/>
+                <a:ea typeface="JetBrains Mono"/>
+                <a:cs typeface="JetBrains Mono"/>
+                <a:sym typeface="JetBrains Mono"/>
+              </a:rPr>
+              <a:t>j</a:t>
+            </a:r>
+            <a:r>
+              <a:rPr lang="ru" sz="1000">
+                <a:solidFill>
+                  <a:srgbClr val="080808"/>
+                </a:solidFill>
+                <a:highlight>
+                  <a:srgbClr val="FFFFFF"/>
+                </a:highlight>
+                <a:latin typeface="JetBrains Mono"/>
+                <a:ea typeface="JetBrains Mono"/>
+                <a:cs typeface="JetBrains Mono"/>
+                <a:sym typeface="JetBrains Mono"/>
+              </a:rPr>
+              <a:t>)</a:t>
             </a:r>
             <a:endParaRPr sz="1000">
               <a:solidFill>
@@ -40198,12 +40393,12 @@
                 <a:cs typeface="JetBrains Mono"/>
                 <a:sym typeface="JetBrains Mono"/>
               </a:rPr>
-              <a:t>               </a:t>
+              <a:t>                   </a:t>
             </a:r>
             <a:r>
               <a:rPr lang="ru" sz="1000">
                 <a:solidFill>
-                  <a:srgbClr val="0033B3"/>
+                  <a:schemeClr val="dk1"/>
                 </a:solidFill>
                 <a:highlight>
                   <a:srgbClr val="FFFFFF"/>
@@ -40213,7 +40408,7 @@
                 <a:cs typeface="JetBrains Mono"/>
                 <a:sym typeface="JetBrains Mono"/>
               </a:rPr>
-              <a:t>for</a:t>
+              <a:t>result</a:t>
             </a:r>
             <a:r>
               <a:rPr lang="ru" sz="1000">
@@ -40228,12 +40423,12 @@
                 <a:cs typeface="JetBrains Mono"/>
                 <a:sym typeface="JetBrains Mono"/>
               </a:rPr>
-              <a:t>(</a:t>
+              <a:t>[</a:t>
             </a:r>
             <a:r>
               <a:rPr lang="ru" sz="1000">
                 <a:solidFill>
-                  <a:srgbClr val="0033B3"/>
+                  <a:schemeClr val="dk1"/>
                 </a:solidFill>
                 <a:highlight>
                   <a:srgbClr val="FFFFFF"/>
@@ -40243,12 +40438,12 @@
                 <a:cs typeface="JetBrains Mono"/>
                 <a:sym typeface="JetBrains Mono"/>
               </a:rPr>
-              <a:t>var </a:t>
+              <a:t>j</a:t>
             </a:r>
             <a:r>
               <a:rPr lang="ru" sz="1000">
                 <a:solidFill>
-                  <a:schemeClr val="dk1"/>
+                  <a:srgbClr val="080808"/>
                 </a:solidFill>
                 <a:highlight>
                   <a:srgbClr val="FFFFFF"/>
@@ -40258,12 +40453,12 @@
                 <a:cs typeface="JetBrains Mono"/>
                 <a:sym typeface="JetBrains Mono"/>
               </a:rPr>
-              <a:t>j </a:t>
+              <a:t>] = first[</a:t>
             </a:r>
             <a:r>
               <a:rPr lang="ru" sz="1000">
                 <a:solidFill>
-                  <a:srgbClr val="080808"/>
+                  <a:schemeClr val="dk1"/>
                 </a:solidFill>
                 <a:highlight>
                   <a:srgbClr val="FFFFFF"/>
@@ -40273,12 +40468,12 @@
                 <a:cs typeface="JetBrains Mono"/>
                 <a:sym typeface="JetBrains Mono"/>
               </a:rPr>
-              <a:t>= </a:t>
+              <a:t>j</a:t>
             </a:r>
             <a:r>
               <a:rPr lang="ru" sz="1000">
                 <a:solidFill>
-                  <a:srgbClr val="1750EB"/>
+                  <a:srgbClr val="080808"/>
                 </a:solidFill>
                 <a:highlight>
                   <a:srgbClr val="FFFFFF"/>
@@ -40288,112 +40483,7 @@
                 <a:cs typeface="JetBrains Mono"/>
                 <a:sym typeface="JetBrains Mono"/>
               </a:rPr>
-              <a:t>0</a:t>
-            </a:r>
-            <a:r>
-              <a:rPr lang="ru" sz="1000">
-                <a:solidFill>
-                  <a:srgbClr val="080808"/>
-                </a:solidFill>
-                <a:highlight>
-                  <a:srgbClr val="FFFFFF"/>
-                </a:highlight>
-                <a:latin typeface="JetBrains Mono"/>
-                <a:ea typeface="JetBrains Mono"/>
-                <a:cs typeface="JetBrains Mono"/>
-                <a:sym typeface="JetBrains Mono"/>
-              </a:rPr>
-              <a:t>; </a:t>
-            </a:r>
-            <a:r>
-              <a:rPr lang="ru" sz="1000">
-                <a:solidFill>
-                  <a:schemeClr val="dk1"/>
-                </a:solidFill>
-                <a:highlight>
-                  <a:srgbClr val="FFFFFF"/>
-                </a:highlight>
-                <a:latin typeface="JetBrains Mono"/>
-                <a:ea typeface="JetBrains Mono"/>
-                <a:cs typeface="JetBrains Mono"/>
-                <a:sym typeface="JetBrains Mono"/>
-              </a:rPr>
-              <a:t>j </a:t>
-            </a:r>
-            <a:r>
-              <a:rPr lang="ru" sz="1000">
-                <a:solidFill>
-                  <a:srgbClr val="080808"/>
-                </a:solidFill>
-                <a:highlight>
-                  <a:srgbClr val="FFFFFF"/>
-                </a:highlight>
-                <a:latin typeface="JetBrains Mono"/>
-                <a:ea typeface="JetBrains Mono"/>
-                <a:cs typeface="JetBrains Mono"/>
-                <a:sym typeface="JetBrains Mono"/>
-              </a:rPr>
-              <a:t>&lt; </a:t>
-            </a:r>
-            <a:r>
-              <a:rPr lang="ru" sz="1000">
-                <a:solidFill>
-                  <a:schemeClr val="dk1"/>
-                </a:solidFill>
-                <a:highlight>
-                  <a:srgbClr val="FFFFFF"/>
-                </a:highlight>
-                <a:latin typeface="JetBrains Mono"/>
-                <a:ea typeface="JetBrains Mono"/>
-                <a:cs typeface="JetBrains Mono"/>
-                <a:sym typeface="JetBrains Mono"/>
-              </a:rPr>
-              <a:t>i</a:t>
-            </a:r>
-            <a:r>
-              <a:rPr lang="ru" sz="1000">
-                <a:solidFill>
-                  <a:srgbClr val="080808"/>
-                </a:solidFill>
-                <a:highlight>
-                  <a:srgbClr val="FFFFFF"/>
-                </a:highlight>
-                <a:latin typeface="JetBrains Mono"/>
-                <a:ea typeface="JetBrains Mono"/>
-                <a:cs typeface="JetBrains Mono"/>
-                <a:sym typeface="JetBrains Mono"/>
-              </a:rPr>
-              <a:t>; ++</a:t>
-            </a:r>
-            <a:r>
-              <a:rPr lang="ru" sz="1000">
-                <a:solidFill>
-                  <a:schemeClr val="dk1"/>
-                </a:solidFill>
-                <a:highlight>
-                  <a:srgbClr val="FFFFFF"/>
-                </a:highlight>
-                <a:latin typeface="JetBrains Mono"/>
-                <a:ea typeface="JetBrains Mono"/>
-                <a:cs typeface="JetBrains Mono"/>
-                <a:sym typeface="JetBrains Mono"/>
-              </a:rPr>
-              <a:t>j</a:t>
-            </a:r>
-            <a:r>
-              <a:rPr lang="ru" sz="1000">
-                <a:solidFill>
-                  <a:srgbClr val="080808"/>
-                </a:solidFill>
-                <a:highlight>
-                  <a:srgbClr val="FFFFFF"/>
-                </a:highlight>
-                <a:latin typeface="JetBrains Mono"/>
-                <a:ea typeface="JetBrains Mono"/>
-                <a:cs typeface="JetBrains Mono"/>
-                <a:sym typeface="JetBrains Mono"/>
-              </a:rPr>
-              <a:t>)</a:t>
+              <a:t>];</a:t>
             </a:r>
             <a:endParaRPr sz="1000">
               <a:solidFill>
@@ -40436,97 +40526,7 @@
                 <a:cs typeface="JetBrains Mono"/>
                 <a:sym typeface="JetBrains Mono"/>
               </a:rPr>
-              <a:t>                   </a:t>
-            </a:r>
-            <a:r>
-              <a:rPr lang="ru" sz="1000">
-                <a:solidFill>
-                  <a:schemeClr val="dk1"/>
-                </a:solidFill>
-                <a:highlight>
-                  <a:srgbClr val="FFFFFF"/>
-                </a:highlight>
-                <a:latin typeface="JetBrains Mono"/>
-                <a:ea typeface="JetBrains Mono"/>
-                <a:cs typeface="JetBrains Mono"/>
-                <a:sym typeface="JetBrains Mono"/>
-              </a:rPr>
-              <a:t>result</a:t>
-            </a:r>
-            <a:r>
-              <a:rPr lang="ru" sz="1000">
-                <a:solidFill>
-                  <a:srgbClr val="080808"/>
-                </a:solidFill>
-                <a:highlight>
-                  <a:srgbClr val="FFFFFF"/>
-                </a:highlight>
-                <a:latin typeface="JetBrains Mono"/>
-                <a:ea typeface="JetBrains Mono"/>
-                <a:cs typeface="JetBrains Mono"/>
-                <a:sym typeface="JetBrains Mono"/>
-              </a:rPr>
-              <a:t>[</a:t>
-            </a:r>
-            <a:r>
-              <a:rPr lang="ru" sz="1000">
-                <a:solidFill>
-                  <a:schemeClr val="dk1"/>
-                </a:solidFill>
-                <a:highlight>
-                  <a:srgbClr val="FFFFFF"/>
-                </a:highlight>
-                <a:latin typeface="JetBrains Mono"/>
-                <a:ea typeface="JetBrains Mono"/>
-                <a:cs typeface="JetBrains Mono"/>
-                <a:sym typeface="JetBrains Mono"/>
-              </a:rPr>
-              <a:t>j</a:t>
-            </a:r>
-            <a:r>
-              <a:rPr lang="ru" sz="1000">
-                <a:solidFill>
-                  <a:srgbClr val="080808"/>
-                </a:solidFill>
-                <a:highlight>
-                  <a:srgbClr val="FFFFFF"/>
-                </a:highlight>
-                <a:latin typeface="JetBrains Mono"/>
-                <a:ea typeface="JetBrains Mono"/>
-                <a:cs typeface="JetBrains Mono"/>
-                <a:sym typeface="JetBrains Mono"/>
-              </a:rPr>
-              <a:t>] = first[</a:t>
-            </a:r>
-            <a:r>
-              <a:rPr lang="ru" sz="1000">
-                <a:solidFill>
-                  <a:schemeClr val="dk1"/>
-                </a:solidFill>
-                <a:highlight>
-                  <a:srgbClr val="FFFFFF"/>
-                </a:highlight>
-                <a:latin typeface="JetBrains Mono"/>
-                <a:ea typeface="JetBrains Mono"/>
-                <a:cs typeface="JetBrains Mono"/>
-                <a:sym typeface="JetBrains Mono"/>
-              </a:rPr>
-              <a:t>j</a:t>
-            </a:r>
-            <a:r>
-              <a:rPr lang="ru" sz="1000">
-                <a:solidFill>
-                  <a:srgbClr val="080808"/>
-                </a:solidFill>
-                <a:highlight>
-                  <a:srgbClr val="FFFFFF"/>
-                </a:highlight>
-                <a:latin typeface="JetBrains Mono"/>
-                <a:ea typeface="JetBrains Mono"/>
-                <a:cs typeface="JetBrains Mono"/>
-                <a:sym typeface="JetBrains Mono"/>
-              </a:rPr>
-              <a:t>];</a:t>
+              <a:t>           }</a:t>
             </a:r>
             <a:endParaRPr sz="1000">
               <a:solidFill>
@@ -40569,7 +40569,97 @@
                 <a:cs typeface="JetBrains Mono"/>
                 <a:sym typeface="JetBrains Mono"/>
               </a:rPr>
-              <a:t>           }</a:t>
+              <a:t>           </a:t>
+            </a:r>
+            <a:r>
+              <a:rPr lang="ru" sz="1000">
+                <a:solidFill>
+                  <a:schemeClr val="dk1"/>
+                </a:solidFill>
+                <a:highlight>
+                  <a:srgbClr val="FFFFFF"/>
+                </a:highlight>
+                <a:latin typeface="JetBrains Mono"/>
+                <a:ea typeface="JetBrains Mono"/>
+                <a:cs typeface="JetBrains Mono"/>
+                <a:sym typeface="JetBrains Mono"/>
+              </a:rPr>
+              <a:t>result</a:t>
+            </a:r>
+            <a:r>
+              <a:rPr lang="ru" sz="1000">
+                <a:solidFill>
+                  <a:srgbClr val="080808"/>
+                </a:solidFill>
+                <a:highlight>
+                  <a:srgbClr val="FFFFFF"/>
+                </a:highlight>
+                <a:latin typeface="JetBrains Mono"/>
+                <a:ea typeface="JetBrains Mono"/>
+                <a:cs typeface="JetBrains Mono"/>
+                <a:sym typeface="JetBrains Mono"/>
+              </a:rPr>
+              <a:t>[</a:t>
+            </a:r>
+            <a:r>
+              <a:rPr lang="ru" sz="1000">
+                <a:solidFill>
+                  <a:schemeClr val="dk1"/>
+                </a:solidFill>
+                <a:highlight>
+                  <a:srgbClr val="FFFFFF"/>
+                </a:highlight>
+                <a:latin typeface="JetBrains Mono"/>
+                <a:ea typeface="JetBrains Mono"/>
+                <a:cs typeface="JetBrains Mono"/>
+                <a:sym typeface="JetBrains Mono"/>
+              </a:rPr>
+              <a:t>i</a:t>
+            </a:r>
+            <a:r>
+              <a:rPr lang="ru" sz="1000">
+                <a:solidFill>
+                  <a:srgbClr val="080808"/>
+                </a:solidFill>
+                <a:highlight>
+                  <a:srgbClr val="FFFFFF"/>
+                </a:highlight>
+                <a:latin typeface="JetBrains Mono"/>
+                <a:ea typeface="JetBrains Mono"/>
+                <a:cs typeface="JetBrains Mono"/>
+                <a:sym typeface="JetBrains Mono"/>
+              </a:rPr>
+              <a:t>] = </a:t>
+            </a:r>
+            <a:r>
+              <a:rPr lang="ru" sz="1000">
+                <a:solidFill>
+                  <a:schemeClr val="dk1"/>
+                </a:solidFill>
+                <a:highlight>
+                  <a:srgbClr val="FFFFFF"/>
+                </a:highlight>
+                <a:latin typeface="JetBrains Mono"/>
+                <a:ea typeface="JetBrains Mono"/>
+                <a:cs typeface="JetBrains Mono"/>
+                <a:sym typeface="JetBrains Mono"/>
+              </a:rPr>
+              <a:t>common</a:t>
+            </a:r>
+            <a:r>
+              <a:rPr lang="ru" sz="1000">
+                <a:solidFill>
+                  <a:srgbClr val="080808"/>
+                </a:solidFill>
+                <a:highlight>
+                  <a:srgbClr val="FFFFFF"/>
+                </a:highlight>
+                <a:latin typeface="JetBrains Mono"/>
+                <a:ea typeface="JetBrains Mono"/>
+                <a:cs typeface="JetBrains Mono"/>
+                <a:sym typeface="JetBrains Mono"/>
+              </a:rPr>
+              <a:t>;</a:t>
             </a:r>
             <a:endParaRPr sz="1000">
               <a:solidFill>
@@ -40612,97 +40702,7 @@
                 <a:cs typeface="JetBrains Mono"/>
                 <a:sym typeface="JetBrains Mono"/>
               </a:rPr>
-              <a:t>           </a:t>
-            </a:r>
-            <a:r>
-              <a:rPr lang="ru" sz="1000">
-                <a:solidFill>
-                  <a:schemeClr val="dk1"/>
-                </a:solidFill>
-                <a:highlight>
-                  <a:srgbClr val="FFFFFF"/>
-                </a:highlight>
-                <a:latin typeface="JetBrains Mono"/>
-                <a:ea typeface="JetBrains Mono"/>
-                <a:cs typeface="JetBrains Mono"/>
-                <a:sym typeface="JetBrains Mono"/>
-              </a:rPr>
-              <a:t>result</a:t>
-            </a:r>
-            <a:r>
-              <a:rPr lang="ru" sz="1000">
-                <a:solidFill>
-                  <a:srgbClr val="080808"/>
-                </a:solidFill>
-                <a:highlight>
-                  <a:srgbClr val="FFFFFF"/>
-                </a:highlight>
-                <a:latin typeface="JetBrains Mono"/>
-                <a:ea typeface="JetBrains Mono"/>
-                <a:cs typeface="JetBrains Mono"/>
-                <a:sym typeface="JetBrains Mono"/>
-              </a:rPr>
-              <a:t>[</a:t>
-            </a:r>
-            <a:r>
-              <a:rPr lang="ru" sz="1000">
-                <a:solidFill>
-                  <a:schemeClr val="dk1"/>
-                </a:solidFill>
-                <a:highlight>
-                  <a:srgbClr val="FFFFFF"/>
-                </a:highlight>
-                <a:latin typeface="JetBrains Mono"/>
-                <a:ea typeface="JetBrains Mono"/>
-                <a:cs typeface="JetBrains Mono"/>
-                <a:sym typeface="JetBrains Mono"/>
-              </a:rPr>
-              <a:t>i</a:t>
-            </a:r>
-            <a:r>
-              <a:rPr lang="ru" sz="1000">
-                <a:solidFill>
-                  <a:srgbClr val="080808"/>
-                </a:solidFill>
-                <a:highlight>
-                  <a:srgbClr val="FFFFFF"/>
-                </a:highlight>
-                <a:latin typeface="JetBrains Mono"/>
-                <a:ea typeface="JetBrains Mono"/>
-                <a:cs typeface="JetBrains Mono"/>
-                <a:sym typeface="JetBrains Mono"/>
-              </a:rPr>
-              <a:t>] = </a:t>
-            </a:r>
-            <a:r>
-              <a:rPr lang="ru" sz="1000">
-                <a:solidFill>
-                  <a:schemeClr val="dk1"/>
-                </a:solidFill>
-                <a:highlight>
-                  <a:srgbClr val="FFFFFF"/>
-                </a:highlight>
-                <a:latin typeface="JetBrains Mono"/>
-                <a:ea typeface="JetBrains Mono"/>
-                <a:cs typeface="JetBrains Mono"/>
-                <a:sym typeface="JetBrains Mono"/>
-              </a:rPr>
-              <a:t>common</a:t>
-            </a:r>
-            <a:r>
-              <a:rPr lang="ru" sz="1000">
-                <a:solidFill>
-                  <a:srgbClr val="080808"/>
-                </a:solidFill>
-                <a:highlight>
-                  <a:srgbClr val="FFFFFF"/>
-                </a:highlight>
-                <a:latin typeface="JetBrains Mono"/>
-                <a:ea typeface="JetBrains Mono"/>
-                <a:cs typeface="JetBrains Mono"/>
-                <a:sym typeface="JetBrains Mono"/>
-              </a:rPr>
-              <a:t>;</a:t>
+              <a:t>       }</a:t>
             </a:r>
             <a:endParaRPr sz="1000">
               <a:solidFill>
@@ -40745,7 +40745,97 @@
                 <a:cs typeface="JetBrains Mono"/>
                 <a:sym typeface="JetBrains Mono"/>
               </a:rPr>
-              <a:t>       }</a:t>
+              <a:t>       </a:t>
+            </a:r>
+            <a:r>
+              <a:rPr lang="ru" sz="1000">
+                <a:solidFill>
+                  <a:srgbClr val="0033B3"/>
+                </a:solidFill>
+                <a:highlight>
+                  <a:srgbClr val="FFFFFF"/>
+                </a:highlight>
+                <a:latin typeface="JetBrains Mono"/>
+                <a:ea typeface="JetBrains Mono"/>
+                <a:cs typeface="JetBrains Mono"/>
+                <a:sym typeface="JetBrains Mono"/>
+              </a:rPr>
+              <a:t>else if</a:t>
+            </a:r>
+            <a:r>
+              <a:rPr lang="ru" sz="1000">
+                <a:solidFill>
+                  <a:srgbClr val="080808"/>
+                </a:solidFill>
+                <a:highlight>
+                  <a:srgbClr val="FFFFFF"/>
+                </a:highlight>
+                <a:latin typeface="JetBrains Mono"/>
+                <a:ea typeface="JetBrains Mono"/>
+                <a:cs typeface="JetBrains Mono"/>
+                <a:sym typeface="JetBrains Mono"/>
+              </a:rPr>
+              <a:t>(</a:t>
+            </a:r>
+            <a:r>
+              <a:rPr lang="ru" sz="1000">
+                <a:solidFill>
+                  <a:schemeClr val="dk1"/>
+                </a:solidFill>
+                <a:highlight>
+                  <a:srgbClr val="FFFFFF"/>
+                </a:highlight>
+                <a:latin typeface="JetBrains Mono"/>
+                <a:ea typeface="JetBrains Mono"/>
+                <a:cs typeface="JetBrains Mono"/>
+                <a:sym typeface="JetBrains Mono"/>
+              </a:rPr>
+              <a:t>result </a:t>
+            </a:r>
+            <a:r>
+              <a:rPr lang="ru" sz="1000">
+                <a:solidFill>
+                  <a:srgbClr val="080808"/>
+                </a:solidFill>
+                <a:highlight>
+                  <a:srgbClr val="FFFFFF"/>
+                </a:highlight>
+                <a:latin typeface="JetBrains Mono"/>
+                <a:ea typeface="JetBrains Mono"/>
+                <a:cs typeface="JetBrains Mono"/>
+                <a:sym typeface="JetBrains Mono"/>
+              </a:rPr>
+              <a:t>!= </a:t>
+            </a:r>
+            <a:r>
+              <a:rPr lang="ru" sz="1000">
+                <a:solidFill>
+                  <a:srgbClr val="0033B3"/>
+                </a:solidFill>
+                <a:highlight>
+                  <a:srgbClr val="FFFFFF"/>
+                </a:highlight>
+                <a:latin typeface="JetBrains Mono"/>
+                <a:ea typeface="JetBrains Mono"/>
+                <a:cs typeface="JetBrains Mono"/>
+                <a:sym typeface="JetBrains Mono"/>
+              </a:rPr>
+              <a:t>null</a:t>
+            </a:r>
+            <a:r>
+              <a:rPr lang="ru" sz="1000">
+                <a:solidFill>
+                  <a:srgbClr val="080808"/>
+                </a:solidFill>
+                <a:highlight>
+                  <a:srgbClr val="FFFFFF"/>
+                </a:highlight>
+                <a:latin typeface="JetBrains Mono"/>
+                <a:ea typeface="JetBrains Mono"/>
+                <a:cs typeface="JetBrains Mono"/>
+                <a:sym typeface="JetBrains Mono"/>
+              </a:rPr>
+              <a:t>)</a:t>
             </a:r>
             <a:endParaRPr sz="1000">
               <a:solidFill>
@@ -40788,12 +40878,12 @@
                 <a:cs typeface="JetBrains Mono"/>
                 <a:sym typeface="JetBrains Mono"/>
               </a:rPr>
-              <a:t>       </a:t>
+              <a:t>           </a:t>
             </a:r>
             <a:r>
               <a:rPr lang="ru" sz="1000">
                 <a:solidFill>
-                  <a:srgbClr val="0033B3"/>
+                  <a:schemeClr val="dk1"/>
                 </a:solidFill>
                 <a:highlight>
                   <a:srgbClr val="FFFFFF"/>
@@ -40803,7 +40893,7 @@
                 <a:cs typeface="JetBrains Mono"/>
                 <a:sym typeface="JetBrains Mono"/>
               </a:rPr>
-              <a:t>else if</a:t>
+              <a:t>result</a:t>
             </a:r>
             <a:r>
               <a:rPr lang="ru" sz="1000">
@@ -40818,7 +40908,7 @@
                 <a:cs typeface="JetBrains Mono"/>
                 <a:sym typeface="JetBrains Mono"/>
               </a:rPr>
-              <a:t>(</a:t>
+              <a:t>[</a:t>
             </a:r>
             <a:r>
               <a:rPr lang="ru" sz="1000">
@@ -40833,7 +40923,7 @@
                 <a:cs typeface="JetBrains Mono"/>
                 <a:sym typeface="JetBrains Mono"/>
               </a:rPr>
-              <a:t>result </a:t>
+              <a:t>i</a:t>
             </a:r>
             <a:r>
               <a:rPr lang="ru" sz="1000">
@@ -40848,12 +40938,12 @@
                 <a:cs typeface="JetBrains Mono"/>
                 <a:sym typeface="JetBrains Mono"/>
               </a:rPr>
-              <a:t>!= </a:t>
+              <a:t>] = first[</a:t>
             </a:r>
             <a:r>
               <a:rPr lang="ru" sz="1000">
                 <a:solidFill>
-                  <a:srgbClr val="0033B3"/>
+                  <a:schemeClr val="dk1"/>
                 </a:solidFill>
                 <a:highlight>
                   <a:srgbClr val="FFFFFF"/>
@@ -40863,7 +40953,7 @@
                 <a:cs typeface="JetBrains Mono"/>
                 <a:sym typeface="JetBrains Mono"/>
               </a:rPr>
-              <a:t>null</a:t>
+              <a:t>i</a:t>
             </a:r>
             <a:r>
               <a:rPr lang="ru" sz="1000">
@@ -40878,7 +40968,7 @@
                 <a:cs typeface="JetBrains Mono"/>
                 <a:sym typeface="JetBrains Mono"/>
               </a:rPr>
-              <a:t>)</a:t>
+              <a:t>];</a:t>
             </a:r>
             <a:endParaRPr sz="1000">
               <a:solidFill>
@@ -40921,97 +41011,7 @@
                 <a:cs typeface="JetBrains Mono"/>
                 <a:sym typeface="JetBrains Mono"/>
               </a:rPr>
-              <a:t>           </a:t>
-            </a:r>
-            <a:r>
-              <a:rPr lang="ru" sz="1000">
-                <a:solidFill>
-                  <a:schemeClr val="dk1"/>
-                </a:solidFill>
-                <a:highlight>
-                  <a:srgbClr val="FFFFFF"/>
-                </a:highlight>
-                <a:latin typeface="JetBrains Mono"/>
-                <a:ea typeface="JetBrains Mono"/>
-                <a:cs typeface="JetBrains Mono"/>
-                <a:sym typeface="JetBrains Mono"/>
-              </a:rPr>
-              <a:t>result</a:t>
-            </a:r>
-            <a:r>
-              <a:rPr lang="ru" sz="1000">
-                <a:solidFill>
-                  <a:srgbClr val="080808"/>
-                </a:solidFill>
-                <a:highlight>
-                  <a:srgbClr val="FFFFFF"/>
-                </a:highlight>
-                <a:latin typeface="JetBrains Mono"/>
-                <a:ea typeface="JetBrains Mono"/>
-                <a:cs typeface="JetBrains Mono"/>
-                <a:sym typeface="JetBrains Mono"/>
-              </a:rPr>
-              <a:t>[</a:t>
-            </a:r>
-            <a:r>
-              <a:rPr lang="ru" sz="1000">
-                <a:solidFill>
-                  <a:schemeClr val="dk1"/>
-                </a:solidFill>
-                <a:highlight>
-                  <a:srgbClr val="FFFFFF"/>
-                </a:highlight>
-                <a:latin typeface="JetBrains Mono"/>
-                <a:ea typeface="JetBrains Mono"/>
-                <a:cs typeface="JetBrains Mono"/>
-                <a:sym typeface="JetBrains Mono"/>
-              </a:rPr>
-              <a:t>i</a:t>
-            </a:r>
-            <a:r>
-              <a:rPr lang="ru" sz="1000">
-                <a:solidFill>
-                  <a:srgbClr val="080808"/>
-                </a:solidFill>
-                <a:highlight>
-                  <a:srgbClr val="FFFFFF"/>
-                </a:highlight>
-                <a:latin typeface="JetBrains Mono"/>
-                <a:ea typeface="JetBrains Mono"/>
-                <a:cs typeface="JetBrains Mono"/>
-                <a:sym typeface="JetBrains Mono"/>
-              </a:rPr>
-              <a:t>] = first[</a:t>
-            </a:r>
-            <a:r>
-              <a:rPr lang="ru" sz="1000">
-                <a:solidFill>
-                  <a:schemeClr val="dk1"/>
-                </a:solidFill>
-                <a:highlight>
-                  <a:srgbClr val="FFFFFF"/>
-                </a:highlight>
-                <a:latin typeface="JetBrains Mono"/>
-                <a:ea typeface="JetBrains Mono"/>
-                <a:cs typeface="JetBrains Mono"/>
-                <a:sym typeface="JetBrains Mono"/>
-              </a:rPr>
-              <a:t>i</a:t>
-            </a:r>
-            <a:r>
-              <a:rPr lang="ru" sz="1000">
-                <a:solidFill>
-                  <a:srgbClr val="080808"/>
-                </a:solidFill>
-                <a:highlight>
-                  <a:srgbClr val="FFFFFF"/>
-                </a:highlight>
-                <a:latin typeface="JetBrains Mono"/>
-                <a:ea typeface="JetBrains Mono"/>
-                <a:cs typeface="JetBrains Mono"/>
-                <a:sym typeface="JetBrains Mono"/>
-              </a:rPr>
-              <a:t>];</a:t>
+              <a:t>   }</a:t>
             </a:r>
             <a:endParaRPr sz="1000">
               <a:solidFill>
@@ -41054,7 +41054,97 @@
                 <a:cs typeface="JetBrains Mono"/>
                 <a:sym typeface="JetBrains Mono"/>
               </a:rPr>
-              <a:t>   }</a:t>
+              <a:t>   </a:t>
+            </a:r>
+            <a:r>
+              <a:rPr lang="ru" sz="1000">
+                <a:solidFill>
+                  <a:srgbClr val="0033B3"/>
+                </a:solidFill>
+                <a:highlight>
+                  <a:srgbClr val="FFFFFF"/>
+                </a:highlight>
+                <a:latin typeface="JetBrains Mono"/>
+                <a:ea typeface="JetBrains Mono"/>
+                <a:cs typeface="JetBrains Mono"/>
+                <a:sym typeface="JetBrains Mono"/>
+              </a:rPr>
+              <a:t>if</a:t>
+            </a:r>
+            <a:r>
+              <a:rPr lang="ru" sz="1000">
+                <a:solidFill>
+                  <a:srgbClr val="080808"/>
+                </a:solidFill>
+                <a:highlight>
+                  <a:srgbClr val="FFFFFF"/>
+                </a:highlight>
+                <a:latin typeface="JetBrains Mono"/>
+                <a:ea typeface="JetBrains Mono"/>
+                <a:cs typeface="JetBrains Mono"/>
+                <a:sym typeface="JetBrains Mono"/>
+              </a:rPr>
+              <a:t>(</a:t>
+            </a:r>
+            <a:r>
+              <a:rPr lang="ru" sz="1000">
+                <a:solidFill>
+                  <a:schemeClr val="dk1"/>
+                </a:solidFill>
+                <a:highlight>
+                  <a:srgbClr val="FFFFFF"/>
+                </a:highlight>
+                <a:latin typeface="JetBrains Mono"/>
+                <a:ea typeface="JetBrains Mono"/>
+                <a:cs typeface="JetBrains Mono"/>
+                <a:sym typeface="JetBrains Mono"/>
+              </a:rPr>
+              <a:t>result </a:t>
+            </a:r>
+            <a:r>
+              <a:rPr lang="ru" sz="1000">
+                <a:solidFill>
+                  <a:srgbClr val="080808"/>
+                </a:solidFill>
+                <a:highlight>
+                  <a:srgbClr val="FFFFFF"/>
+                </a:highlight>
+                <a:latin typeface="JetBrains Mono"/>
+                <a:ea typeface="JetBrains Mono"/>
+                <a:cs typeface="JetBrains Mono"/>
+                <a:sym typeface="JetBrains Mono"/>
+              </a:rPr>
+              <a:t>== </a:t>
+            </a:r>
+            <a:r>
+              <a:rPr lang="ru" sz="1000">
+                <a:solidFill>
+                  <a:srgbClr val="0033B3"/>
+                </a:solidFill>
+                <a:highlight>
+                  <a:srgbClr val="FFFFFF"/>
+                </a:highlight>
+                <a:latin typeface="JetBrains Mono"/>
+                <a:ea typeface="JetBrains Mono"/>
+                <a:cs typeface="JetBrains Mono"/>
+                <a:sym typeface="JetBrains Mono"/>
+              </a:rPr>
+              <a:t>null</a:t>
+            </a:r>
+            <a:r>
+              <a:rPr lang="ru" sz="1000">
+                <a:solidFill>
+                  <a:srgbClr val="080808"/>
+                </a:solidFill>
+                <a:highlight>
+                  <a:srgbClr val="FFFFFF"/>
+                </a:highlight>
+                <a:latin typeface="JetBrains Mono"/>
+                <a:ea typeface="JetBrains Mono"/>
+                <a:cs typeface="JetBrains Mono"/>
+                <a:sym typeface="JetBrains Mono"/>
+              </a:rPr>
+              <a:t>)</a:t>
             </a:r>
             <a:endParaRPr sz="1000">
               <a:solidFill>
@@ -41097,7 +41187,7 @@
                 <a:cs typeface="JetBrains Mono"/>
                 <a:sym typeface="JetBrains Mono"/>
               </a:rPr>
-              <a:t>   </a:t>
+              <a:t>       </a:t>
             </a:r>
             <a:r>
               <a:rPr lang="ru" sz="1000">
@@ -41112,7 +41202,7 @@
                 <a:cs typeface="JetBrains Mono"/>
                 <a:sym typeface="JetBrains Mono"/>
               </a:rPr>
-              <a:t>if</a:t>
+              <a:t>return new Pair(</a:t>
             </a:r>
             <a:r>
               <a:rPr lang="ru" sz="1000">
@@ -41127,67 +41217,7 @@
                 <a:cs typeface="JetBrains Mono"/>
                 <a:sym typeface="JetBrains Mono"/>
               </a:rPr>
-              <a:t>(</a:t>
-            </a:r>
-            <a:r>
-              <a:rPr lang="ru" sz="1000">
-                <a:solidFill>
-                  <a:schemeClr val="dk1"/>
-                </a:solidFill>
-                <a:highlight>
-                  <a:srgbClr val="FFFFFF"/>
-                </a:highlight>
-                <a:latin typeface="JetBrains Mono"/>
-                <a:ea typeface="JetBrains Mono"/>
-                <a:cs typeface="JetBrains Mono"/>
-                <a:sym typeface="JetBrains Mono"/>
-              </a:rPr>
-              <a:t>result </a:t>
-            </a:r>
-            <a:r>
-              <a:rPr lang="ru" sz="1000">
-                <a:solidFill>
-                  <a:srgbClr val="080808"/>
-                </a:solidFill>
-                <a:highlight>
-                  <a:srgbClr val="FFFFFF"/>
-                </a:highlight>
-                <a:latin typeface="JetBrains Mono"/>
-                <a:ea typeface="JetBrains Mono"/>
-                <a:cs typeface="JetBrains Mono"/>
-                <a:sym typeface="JetBrains Mono"/>
-              </a:rPr>
-              <a:t>== </a:t>
-            </a:r>
-            <a:r>
-              <a:rPr lang="ru" sz="1000">
-                <a:solidFill>
-                  <a:srgbClr val="0033B3"/>
-                </a:solidFill>
-                <a:highlight>
-                  <a:srgbClr val="FFFFFF"/>
-                </a:highlight>
-                <a:latin typeface="JetBrains Mono"/>
-                <a:ea typeface="JetBrains Mono"/>
-                <a:cs typeface="JetBrains Mono"/>
-                <a:sym typeface="JetBrains Mono"/>
-              </a:rPr>
-              <a:t>null</a:t>
-            </a:r>
-            <a:r>
-              <a:rPr lang="ru" sz="1000">
-                <a:solidFill>
-                  <a:srgbClr val="080808"/>
-                </a:solidFill>
-                <a:highlight>
-                  <a:srgbClr val="FFFFFF"/>
-                </a:highlight>
-                <a:latin typeface="JetBrains Mono"/>
-                <a:ea typeface="JetBrains Mono"/>
-                <a:cs typeface="JetBrains Mono"/>
-                <a:sym typeface="JetBrains Mono"/>
-              </a:rPr>
-              <a:t>)</a:t>
+              <a:t>ComparisonResult.EQUALS, {});</a:t>
             </a:r>
             <a:endParaRPr sz="1000">
               <a:solidFill>
@@ -41230,12 +41260,12 @@
                 <a:cs typeface="JetBrains Mono"/>
                 <a:sym typeface="JetBrains Mono"/>
               </a:rPr>
-              <a:t>       </a:t>
+              <a:t>   merged = </a:t>
             </a:r>
             <a:r>
               <a:rPr lang="ru" sz="1000">
                 <a:solidFill>
-                  <a:srgbClr val="0033B3"/>
+                  <a:schemeClr val="dk1"/>
                 </a:solidFill>
                 <a:highlight>
                   <a:srgbClr val="FFFFFF"/>
@@ -41245,7 +41275,7 @@
                 <a:cs typeface="JetBrains Mono"/>
                 <a:sym typeface="JetBrains Mono"/>
               </a:rPr>
-              <a:t>return </a:t>
+              <a:t>result</a:t>
             </a:r>
             <a:r>
               <a:rPr lang="ru" sz="1000">
@@ -41260,7 +41290,7 @@
                 <a:cs typeface="JetBrains Mono"/>
                 <a:sym typeface="JetBrains Mono"/>
               </a:rPr>
-              <a:t>ComparisonResult.EQUALS;</a:t>
+              <a:t>;</a:t>
             </a:r>
             <a:endParaRPr sz="1000">
               <a:solidFill>
@@ -41303,12 +41333,12 @@
                 <a:cs typeface="JetBrains Mono"/>
                 <a:sym typeface="JetBrains Mono"/>
               </a:rPr>
-              <a:t>   merged = </a:t>
+              <a:t>   </a:t>
             </a:r>
             <a:r>
               <a:rPr lang="ru" sz="1000">
                 <a:solidFill>
-                  <a:schemeClr val="dk1"/>
+                  <a:srgbClr val="0033B3"/>
                 </a:solidFill>
                 <a:highlight>
                   <a:srgbClr val="FFFFFF"/>
@@ -41318,7 +41348,7 @@
                 <a:cs typeface="JetBrains Mono"/>
                 <a:sym typeface="JetBrains Mono"/>
               </a:rPr>
-              <a:t>result</a:t>
+              <a:t>return new Pair(</a:t>
             </a:r>
             <a:r>
               <a:rPr lang="ru" sz="1000">
@@ -41333,80 +41363,7 @@
                 <a:cs typeface="JetBrains Mono"/>
                 <a:sym typeface="JetBrains Mono"/>
               </a:rPr>
-              <a:t>;</a:t>
-            </a:r>
-            <a:endParaRPr sz="1000">
-              <a:solidFill>
-                <a:srgbClr val="080808"/>
-              </a:solidFill>
-              <a:highlight>
-                <a:srgbClr val="FFFFFF"/>
-              </a:highlight>
-              <a:latin typeface="JetBrains Mono"/>
-              <a:ea typeface="JetBrains Mono"/>
-              <a:cs typeface="JetBrains Mono"/>
-              <a:sym typeface="JetBrains Mono"/>
-            </a:endParaRPr>
-          </a:p>
-          <a:p>
-            <a:pPr indent="0" lvl="0" marL="0" marR="0" rtl="0" algn="l">
-              <a:spcBef>
-                <a:spcPts val="0"/>
-              </a:spcBef>
-              <a:spcAft>
-                <a:spcPts val="0"/>
-              </a:spcAft>
-              <a:buClr>
-                <a:schemeClr val="dk1"/>
-              </a:buClr>
-              <a:buSzPts val="1100"/>
-              <a:buFont typeface="Arial"/>
-              <a:buNone/>
-            </a:pPr>
-            <a:r>
-              <a:rPr lang="ru" sz="1000">
-                <a:solidFill>
-                  <a:srgbClr val="080808"/>
-                </a:solidFill>
-                <a:highlight>
-                  <a:srgbClr val="FFFFFF"/>
-                </a:highlight>
-                <a:latin typeface="JetBrains Mono"/>
-                <a:ea typeface="JetBrains Mono"/>
-                <a:cs typeface="JetBrains Mono"/>
-                <a:sym typeface="JetBrains Mono"/>
-              </a:rPr>
-              <a:t>   </a:t>
-            </a:r>
-            <a:r>
-              <a:rPr lang="ru" sz="1000">
-                <a:solidFill>
-                  <a:srgbClr val="0033B3"/>
-                </a:solidFill>
-                <a:highlight>
-                  <a:srgbClr val="FFFFFF"/>
-                </a:highlight>
-                <a:latin typeface="JetBrains Mono"/>
-                <a:ea typeface="JetBrains Mono"/>
-                <a:cs typeface="JetBrains Mono"/>
-                <a:sym typeface="JetBrains Mono"/>
-              </a:rPr>
-              <a:t>return </a:t>
-            </a:r>
-            <a:r>
-              <a:rPr lang="ru" sz="1000">
-                <a:solidFill>
-                  <a:srgbClr val="080808"/>
-                </a:solidFill>
-                <a:highlight>
-                  <a:srgbClr val="FFFFFF"/>
-                </a:highlight>
-                <a:latin typeface="JetBrains Mono"/>
-                <a:ea typeface="JetBrains Mono"/>
-                <a:cs typeface="JetBrains Mono"/>
-                <a:sym typeface="JetBrains Mono"/>
-              </a:rPr>
-              <a:t>ComparisonResult.EQUIVALENT;</a:t>
+              <a:t>ComparisonResult.EQUIVALENT, merged);</a:t>
             </a:r>
             <a:endParaRPr sz="1000">
               <a:solidFill>
@@ -41860,14 +41817,18 @@
           </a:bodyPr>
           <a:lstStyle/>
           <a:p>
-            <a:pPr indent="0" lvl="0" marL="0" marR="0" rtl="0" algn="l">
-              <a:spcBef>
-                <a:spcPts val="0"/>
-              </a:spcBef>
-              <a:spcAft>
-                <a:spcPts val="0"/>
-              </a:spcAft>
-              <a:buSzPts val="1100"/>
+            <a:pPr indent="0" lvl="0" marL="0" rtl="0" algn="l">
+              <a:spcBef>
+                <a:spcPts val="0"/>
+              </a:spcBef>
+              <a:spcAft>
+                <a:spcPts val="0"/>
+              </a:spcAft>
+              <a:buClr>
+                <a:schemeClr val="dk1"/>
+              </a:buClr>
+              <a:buSzPts val="1500"/>
+              <a:buFont typeface="Arial"/>
               <a:buNone/>
             </a:pPr>
             <a:r>
@@ -41876,14 +41837,14 @@
                   <a:srgbClr val="080808"/>
                 </a:solidFill>
                 <a:highlight>
-                  <a:srgbClr val="FFFFFF"/>
+                  <a:schemeClr val="lt1"/>
                 </a:highlight>
                 <a:latin typeface="JetBrains Mono"/>
                 <a:ea typeface="JetBrains Mono"/>
                 <a:cs typeface="JetBrains Mono"/>
                 <a:sym typeface="JetBrains Mono"/>
               </a:rPr>
-              <a:t>ComparisonResult </a:t>
+              <a:t>Pair&lt;ComparisonResult,ESType[]&gt; </a:t>
             </a:r>
             <a:r>
               <a:rPr lang="ru" sz="1000">
@@ -41891,7 +41852,7 @@
                   <a:srgbClr val="00627A"/>
                 </a:solidFill>
                 <a:highlight>
-                  <a:srgbClr val="FFFFFF"/>
+                  <a:schemeClr val="lt1"/>
                 </a:highlight>
                 <a:latin typeface="JetBrains Mono"/>
                 <a:ea typeface="JetBrains Mono"/>
@@ -41906,21 +41867,21 @@
                   <a:srgbClr val="080808"/>
                 </a:solidFill>
                 <a:highlight>
-                  <a:srgbClr val="FFFFFF"/>
+                  <a:schemeClr val="lt1"/>
                 </a:highlight>
                 <a:latin typeface="JetBrains Mono"/>
                 <a:ea typeface="JetBrains Mono"/>
                 <a:cs typeface="JetBrains Mono"/>
                 <a:sym typeface="JetBrains Mono"/>
               </a:rPr>
-              <a:t>(</a:t>
+              <a:t>(ESType[] first, ESType[] second) {</a:t>
             </a:r>
             <a:endParaRPr sz="1000">
               <a:solidFill>
                 <a:srgbClr val="080808"/>
               </a:solidFill>
               <a:highlight>
-                <a:srgbClr val="FFFFFF"/>
+                <a:schemeClr val="lt1"/>
               </a:highlight>
               <a:latin typeface="JetBrains Mono"/>
               <a:ea typeface="JetBrains Mono"/>
@@ -41929,14 +41890,18 @@
             </a:endParaRPr>
           </a:p>
           <a:p>
-            <a:pPr indent="0" lvl="0" marL="0" marR="0" rtl="0" algn="l">
-              <a:spcBef>
-                <a:spcPts val="0"/>
-              </a:spcBef>
-              <a:spcAft>
-                <a:spcPts val="0"/>
-              </a:spcAft>
-              <a:buSzPts val="1100"/>
+            <a:pPr indent="0" lvl="0" marL="0" rtl="0" algn="l">
+              <a:spcBef>
+                <a:spcPts val="0"/>
+              </a:spcBef>
+              <a:spcAft>
+                <a:spcPts val="0"/>
+              </a:spcAft>
+              <a:buClr>
+                <a:schemeClr val="dk1"/>
+              </a:buClr>
+              <a:buSzPts val="1500"/>
+              <a:buFont typeface="Arial"/>
               <a:buNone/>
             </a:pPr>
             <a:r>
@@ -41945,21 +41910,66 @@
                   <a:srgbClr val="080808"/>
                 </a:solidFill>
                 <a:highlight>
-                  <a:srgbClr val="FFFFFF"/>
+                  <a:schemeClr val="lt1"/>
                 </a:highlight>
                 <a:latin typeface="JetBrains Mono"/>
                 <a:ea typeface="JetBrains Mono"/>
                 <a:cs typeface="JetBrains Mono"/>
                 <a:sym typeface="JetBrains Mono"/>
               </a:rPr>
-              <a:t>       ESType[] first, ESType[] second, out ESType[] merged) {</a:t>
+              <a:t>   </a:t>
+            </a:r>
+            <a:r>
+              <a:rPr lang="ru" sz="1000">
+                <a:solidFill>
+                  <a:srgbClr val="0033B3"/>
+                </a:solidFill>
+                <a:highlight>
+                  <a:schemeClr val="lt1"/>
+                </a:highlight>
+                <a:latin typeface="JetBrains Mono"/>
+                <a:ea typeface="JetBrains Mono"/>
+                <a:cs typeface="JetBrains Mono"/>
+                <a:sym typeface="JetBrains Mono"/>
+              </a:rPr>
+              <a:t>var </a:t>
+            </a:r>
+            <a:r>
+              <a:rPr lang="ru" sz="1000">
+                <a:solidFill>
+                  <a:schemeClr val="dk1"/>
+                </a:solidFill>
+                <a:highlight>
+                  <a:schemeClr val="lt1"/>
+                </a:highlight>
+                <a:latin typeface="JetBrains Mono"/>
+                <a:ea typeface="JetBrains Mono"/>
+                <a:cs typeface="JetBrains Mono"/>
+                <a:sym typeface="JetBrains Mono"/>
+              </a:rPr>
+              <a:t>typePairs </a:t>
+            </a:r>
+            <a:r>
+              <a:rPr lang="ru" sz="1000">
+                <a:solidFill>
+                  <a:srgbClr val="080808"/>
+                </a:solidFill>
+                <a:highlight>
+                  <a:schemeClr val="lt1"/>
+                </a:highlight>
+                <a:latin typeface="JetBrains Mono"/>
+                <a:ea typeface="JetBrains Mono"/>
+                <a:cs typeface="JetBrains Mono"/>
+                <a:sym typeface="JetBrains Mono"/>
+              </a:rPr>
+              <a:t>= zip(first, second).ToList();</a:t>
             </a:r>
             <a:endParaRPr sz="1000">
               <a:solidFill>
                 <a:srgbClr val="080808"/>
               </a:solidFill>
               <a:highlight>
-                <a:srgbClr val="FFFFFF"/>
+                <a:schemeClr val="lt1"/>
               </a:highlight>
               <a:latin typeface="JetBrains Mono"/>
               <a:ea typeface="JetBrains Mono"/>
@@ -41968,67 +41978,29 @@
             </a:endParaRPr>
           </a:p>
           <a:p>
-            <a:pPr indent="0" lvl="0" marL="0" marR="0" rtl="0" algn="l">
-              <a:spcBef>
-                <a:spcPts val="0"/>
-              </a:spcBef>
-              <a:spcAft>
-                <a:spcPts val="0"/>
-              </a:spcAft>
-              <a:buSzPts val="1100"/>
-              <a:buNone/>
-            </a:pPr>
-            <a:r>
-              <a:rPr lang="ru" sz="1000">
-                <a:solidFill>
-                  <a:srgbClr val="080808"/>
-                </a:solidFill>
-                <a:highlight>
-                  <a:srgbClr val="FFFFFF"/>
-                </a:highlight>
-                <a:latin typeface="JetBrains Mono"/>
-                <a:ea typeface="JetBrains Mono"/>
-                <a:cs typeface="JetBrains Mono"/>
-                <a:sym typeface="JetBrains Mono"/>
-              </a:rPr>
-              <a:t>   merged = </a:t>
-            </a:r>
-            <a:r>
-              <a:rPr lang="ru" sz="1000">
-                <a:solidFill>
-                  <a:srgbClr val="0033B3"/>
-                </a:solidFill>
-                <a:highlight>
-                  <a:srgbClr val="FFFFFF"/>
-                </a:highlight>
-                <a:latin typeface="JetBrains Mono"/>
-                <a:ea typeface="JetBrains Mono"/>
-                <a:cs typeface="JetBrains Mono"/>
-                <a:sym typeface="JetBrains Mono"/>
-              </a:rPr>
-              <a:t>null</a:t>
-            </a:r>
-            <a:r>
-              <a:rPr lang="ru" sz="1000">
-                <a:solidFill>
-                  <a:srgbClr val="080808"/>
-                </a:solidFill>
-                <a:highlight>
-                  <a:srgbClr val="FFFFFF"/>
-                </a:highlight>
-                <a:latin typeface="JetBrains Mono"/>
-                <a:ea typeface="JetBrains Mono"/>
-                <a:cs typeface="JetBrains Mono"/>
-                <a:sym typeface="JetBrains Mono"/>
-              </a:rPr>
-              <a:t>;</a:t>
+            <a:pPr indent="0" lvl="0" marL="0" rtl="0" algn="l">
+              <a:spcBef>
+                <a:spcPts val="0"/>
+              </a:spcBef>
+              <a:spcAft>
+                <a:spcPts val="0"/>
+              </a:spcAft>
+              <a:buClr>
+                <a:schemeClr val="dk1"/>
+              </a:buClr>
+              <a:buSzPts val="1500"/>
+              <a:buFont typeface="Arial"/>
+              <a:buNone/>
+            </a:pPr>
+            <a:r>
+              <a:t/>
             </a:r>
             <a:endParaRPr sz="1000">
               <a:solidFill>
                 <a:srgbClr val="080808"/>
               </a:solidFill>
               <a:highlight>
-                <a:srgbClr val="FFFFFF"/>
+                <a:schemeClr val="lt1"/>
               </a:highlight>
               <a:latin typeface="JetBrains Mono"/>
               <a:ea typeface="JetBrains Mono"/>
@@ -42037,14 +42009,18 @@
             </a:endParaRPr>
           </a:p>
           <a:p>
-            <a:pPr indent="0" lvl="0" marL="0" marR="0" rtl="0" algn="l">
-              <a:spcBef>
-                <a:spcPts val="0"/>
-              </a:spcBef>
-              <a:spcAft>
-                <a:spcPts val="0"/>
-              </a:spcAft>
-              <a:buSzPts val="1100"/>
+            <a:pPr indent="0" lvl="0" marL="0" rtl="0" algn="l">
+              <a:spcBef>
+                <a:spcPts val="0"/>
+              </a:spcBef>
+              <a:spcAft>
+                <a:spcPts val="0"/>
+              </a:spcAft>
+              <a:buClr>
+                <a:schemeClr val="dk1"/>
+              </a:buClr>
+              <a:buSzPts val="1500"/>
+              <a:buFont typeface="Arial"/>
               <a:buNone/>
             </a:pPr>
             <a:r>
@@ -42053,7 +42029,7 @@
                   <a:srgbClr val="080808"/>
                 </a:solidFill>
                 <a:highlight>
-                  <a:srgbClr val="FFFFFF"/>
+                  <a:schemeClr val="lt1"/>
                 </a:highlight>
                 <a:latin typeface="JetBrains Mono"/>
                 <a:ea typeface="JetBrains Mono"/>
@@ -42068,51 +42044,66 @@
                   <a:srgbClr val="0033B3"/>
                 </a:solidFill>
                 <a:highlight>
-                  <a:srgbClr val="FFFFFF"/>
+                  <a:schemeClr val="lt1"/>
                 </a:highlight>
                 <a:latin typeface="JetBrains Mono"/>
                 <a:ea typeface="JetBrains Mono"/>
                 <a:cs typeface="JetBrains Mono"/>
                 <a:sym typeface="JetBrains Mono"/>
               </a:rPr>
-              <a:t>var </a:t>
+              <a:t>if </a:t>
             </a:r>
             <a:r>
               <a:rPr lang="ru" sz="1000">
                 <a:solidFill>
-                  <a:schemeClr val="dk1"/>
+                  <a:srgbClr val="080808"/>
                 </a:solidFill>
                 <a:highlight>
-                  <a:srgbClr val="FFFFFF"/>
+                  <a:schemeClr val="lt1"/>
                 </a:highlight>
                 <a:latin typeface="JetBrains Mono"/>
                 <a:ea typeface="JetBrains Mono"/>
                 <a:cs typeface="JetBrains Mono"/>
                 <a:sym typeface="JetBrains Mono"/>
               </a:rPr>
-              <a:t>typePairs </a:t>
+              <a:t>(</a:t>
             </a:r>
             <a:r>
               <a:rPr lang="ru" sz="1000">
                 <a:solidFill>
-                  <a:srgbClr val="080808"/>
+                  <a:schemeClr val="dk1"/>
                 </a:solidFill>
                 <a:highlight>
-                  <a:srgbClr val="FFFFFF"/>
+                  <a:schemeClr val="lt1"/>
                 </a:highlight>
                 <a:latin typeface="JetBrains Mono"/>
                 <a:ea typeface="JetBrains Mono"/>
                 <a:cs typeface="JetBrains Mono"/>
                 <a:sym typeface="JetBrains Mono"/>
               </a:rPr>
-              <a:t>= zip(first, second).ToList();</a:t>
+              <a:t>typePairs</a:t>
+            </a:r>
+            <a:r>
+              <a:rPr lang="ru" sz="1000">
+                <a:solidFill>
+                  <a:srgbClr val="080808"/>
+                </a:solidFill>
+                <a:highlight>
+                  <a:schemeClr val="lt1"/>
+                </a:highlight>
+                <a:latin typeface="JetBrains Mono"/>
+                <a:ea typeface="JetBrains Mono"/>
+                <a:cs typeface="JetBrains Mono"/>
+                <a:sym typeface="JetBrains Mono"/>
+              </a:rPr>
+              <a:t>.stream().allMatch(it -&gt; equalEsTypes(it)))</a:t>
             </a:r>
             <a:endParaRPr sz="1000">
               <a:solidFill>
                 <a:srgbClr val="080808"/>
               </a:solidFill>
               <a:highlight>
-                <a:srgbClr val="FFFFFF"/>
+                <a:schemeClr val="lt1"/>
               </a:highlight>
               <a:latin typeface="JetBrains Mono"/>
               <a:ea typeface="JetBrains Mono"/>
@@ -42121,25 +42112,71 @@
             </a:endParaRPr>
           </a:p>
           <a:p>
-            <a:pPr indent="0" lvl="0" marL="0" marR="0" rtl="0" algn="l">
-              <a:spcBef>
-                <a:spcPts val="0"/>
-              </a:spcBef>
-              <a:spcAft>
-                <a:spcPts val="0"/>
-              </a:spcAft>
-              <a:buSzPts val="1100"/>
-              <a:buNone/>
-            </a:pPr>
-            <a:r>
-              <a:t/>
+            <a:pPr indent="0" lvl="0" marL="0" rtl="0" algn="l">
+              <a:spcBef>
+                <a:spcPts val="0"/>
+              </a:spcBef>
+              <a:spcAft>
+                <a:spcPts val="0"/>
+              </a:spcAft>
+              <a:buClr>
+                <a:schemeClr val="dk1"/>
+              </a:buClr>
+              <a:buSzPts val="1500"/>
+              <a:buFont typeface="Arial"/>
+              <a:buNone/>
+            </a:pPr>
+            <a:r>
+              <a:rPr lang="ru" sz="1000">
+                <a:solidFill>
+                  <a:srgbClr val="080808"/>
+                </a:solidFill>
+                <a:highlight>
+                  <a:schemeClr val="lt1"/>
+                </a:highlight>
+                <a:latin typeface="JetBrains Mono"/>
+                <a:ea typeface="JetBrains Mono"/>
+                <a:cs typeface="JetBrains Mono"/>
+                <a:sym typeface="JetBrains Mono"/>
+              </a:rPr>
+              <a:t>       </a:t>
+            </a:r>
+            <a:r>
+              <a:rPr lang="ru" sz="1000">
+                <a:solidFill>
+                  <a:srgbClr val="0033B3"/>
+                </a:solidFill>
+                <a:highlight>
+                  <a:schemeClr val="lt1"/>
+                </a:highlight>
+                <a:latin typeface="JetBrains Mono"/>
+                <a:ea typeface="JetBrains Mono"/>
+                <a:cs typeface="JetBrains Mono"/>
+                <a:sym typeface="JetBrains Mono"/>
+              </a:rPr>
+              <a:t>return new Pair(</a:t>
+            </a:r>
+            <a:r>
+              <a:rPr lang="ru" sz="1000">
+                <a:solidFill>
+                  <a:srgbClr val="080808"/>
+                </a:solidFill>
+                <a:highlight>
+                  <a:schemeClr val="lt1"/>
+                </a:highlight>
+                <a:latin typeface="JetBrains Mono"/>
+                <a:ea typeface="JetBrains Mono"/>
+                <a:cs typeface="JetBrains Mono"/>
+                <a:sym typeface="JetBrains Mono"/>
+              </a:rPr>
+              <a:t>ComparisonResult.Equal, new ESType[]{});</a:t>
             </a:r>
             <a:endParaRPr sz="1000">
               <a:solidFill>
                 <a:srgbClr val="080808"/>
               </a:solidFill>
               <a:highlight>
-                <a:srgbClr val="FFFFFF"/>
+                <a:schemeClr val="lt1"/>
               </a:highlight>
               <a:latin typeface="JetBrains Mono"/>
               <a:ea typeface="JetBrains Mono"/>
@@ -42148,97 +42185,29 @@
             </a:endParaRPr>
           </a:p>
           <a:p>
-            <a:pPr indent="0" lvl="0" marL="0" marR="0" rtl="0" algn="l">
-              <a:spcBef>
-                <a:spcPts val="0"/>
-              </a:spcBef>
-              <a:spcAft>
-                <a:spcPts val="0"/>
-              </a:spcAft>
-              <a:buSzPts val="1100"/>
-              <a:buNone/>
-            </a:pPr>
-            <a:r>
-              <a:rPr lang="ru" sz="1000">
-                <a:solidFill>
-                  <a:srgbClr val="080808"/>
-                </a:solidFill>
-                <a:highlight>
-                  <a:srgbClr val="FFFFFF"/>
-                </a:highlight>
-                <a:latin typeface="JetBrains Mono"/>
-                <a:ea typeface="JetBrains Mono"/>
-                <a:cs typeface="JetBrains Mono"/>
-                <a:sym typeface="JetBrains Mono"/>
-              </a:rPr>
-              <a:t>   </a:t>
-            </a:r>
-            <a:r>
-              <a:rPr lang="ru" sz="1000">
-                <a:solidFill>
-                  <a:srgbClr val="0033B3"/>
-                </a:solidFill>
-                <a:highlight>
-                  <a:srgbClr val="FFFFFF"/>
-                </a:highlight>
-                <a:latin typeface="JetBrains Mono"/>
-                <a:ea typeface="JetBrains Mono"/>
-                <a:cs typeface="JetBrains Mono"/>
-                <a:sym typeface="JetBrains Mono"/>
-              </a:rPr>
-              <a:t>if </a:t>
-            </a:r>
-            <a:r>
-              <a:rPr lang="ru" sz="1000">
-                <a:solidFill>
-                  <a:srgbClr val="080808"/>
-                </a:solidFill>
-                <a:highlight>
-                  <a:srgbClr val="FFFFFF"/>
-                </a:highlight>
-                <a:latin typeface="JetBrains Mono"/>
-                <a:ea typeface="JetBrains Mono"/>
-                <a:cs typeface="JetBrains Mono"/>
-                <a:sym typeface="JetBrains Mono"/>
-              </a:rPr>
-              <a:t>(</a:t>
-            </a:r>
-            <a:r>
-              <a:rPr lang="ru" sz="1000">
-                <a:solidFill>
-                  <a:schemeClr val="dk1"/>
-                </a:solidFill>
-                <a:highlight>
-                  <a:srgbClr val="FFFFFF"/>
-                </a:highlight>
-                <a:latin typeface="JetBrains Mono"/>
-                <a:ea typeface="JetBrains Mono"/>
-                <a:cs typeface="JetBrains Mono"/>
-                <a:sym typeface="JetBrains Mono"/>
-              </a:rPr>
-              <a:t>typePairs</a:t>
-            </a:r>
-            <a:r>
-              <a:rPr lang="ru" sz="1000">
-                <a:solidFill>
-                  <a:srgbClr val="080808"/>
-                </a:solidFill>
-                <a:highlight>
-                  <a:srgbClr val="FFFFFF"/>
-                </a:highlight>
-                <a:latin typeface="JetBrains Mono"/>
-                <a:ea typeface="JetBrains Mono"/>
-                <a:cs typeface="JetBrains Mono"/>
-                <a:sym typeface="JetBrains Mono"/>
-              </a:rPr>
-              <a:t>.stream().allMatch(it -&gt; equalEsTypes(it)))</a:t>
+            <a:pPr indent="0" lvl="0" marL="0" rtl="0" algn="l">
+              <a:spcBef>
+                <a:spcPts val="0"/>
+              </a:spcBef>
+              <a:spcAft>
+                <a:spcPts val="0"/>
+              </a:spcAft>
+              <a:buClr>
+                <a:schemeClr val="dk1"/>
+              </a:buClr>
+              <a:buSzPts val="1500"/>
+              <a:buFont typeface="Arial"/>
+              <a:buNone/>
+            </a:pPr>
+            <a:r>
+              <a:t/>
             </a:r>
             <a:endParaRPr sz="1000">
               <a:solidFill>
                 <a:srgbClr val="080808"/>
               </a:solidFill>
               <a:highlight>
-                <a:srgbClr val="FFFFFF"/>
+                <a:schemeClr val="lt1"/>
               </a:highlight>
               <a:latin typeface="JetBrains Mono"/>
               <a:ea typeface="JetBrains Mono"/>
@@ -42247,14 +42216,18 @@
             </a:endParaRPr>
           </a:p>
           <a:p>
-            <a:pPr indent="0" lvl="0" marL="0" marR="0" rtl="0" algn="l">
-              <a:spcBef>
-                <a:spcPts val="0"/>
-              </a:spcBef>
-              <a:spcAft>
-                <a:spcPts val="0"/>
-              </a:spcAft>
-              <a:buSzPts val="1100"/>
+            <a:pPr indent="0" lvl="0" marL="0" rtl="0" algn="l">
+              <a:spcBef>
+                <a:spcPts val="0"/>
+              </a:spcBef>
+              <a:spcAft>
+                <a:spcPts val="0"/>
+              </a:spcAft>
+              <a:buClr>
+                <a:schemeClr val="dk1"/>
+              </a:buClr>
+              <a:buSzPts val="1500"/>
+              <a:buFont typeface="Arial"/>
               <a:buNone/>
             </a:pPr>
             <a:r>
@@ -42263,14 +42236,14 @@
                   <a:srgbClr val="080808"/>
                 </a:solidFill>
                 <a:highlight>
-                  <a:srgbClr val="FFFFFF"/>
+                  <a:schemeClr val="lt1"/>
                 </a:highlight>
                 <a:latin typeface="JetBrains Mono"/>
                 <a:ea typeface="JetBrains Mono"/>
                 <a:cs typeface="JetBrains Mono"/>
                 <a:sym typeface="JetBrains Mono"/>
               </a:rPr>
-              <a:t>       </a:t>
+              <a:t>   </a:t>
             </a:r>
             <a:r>
               <a:rPr lang="ru" sz="1000">
@@ -42278,14 +42251,14 @@
                   <a:srgbClr val="0033B3"/>
                 </a:solidFill>
                 <a:highlight>
-                  <a:srgbClr val="FFFFFF"/>
+                  <a:schemeClr val="lt1"/>
                 </a:highlight>
                 <a:latin typeface="JetBrains Mono"/>
                 <a:ea typeface="JetBrains Mono"/>
                 <a:cs typeface="JetBrains Mono"/>
                 <a:sym typeface="JetBrains Mono"/>
               </a:rPr>
-              <a:t>return </a:t>
+              <a:t>if </a:t>
             </a:r>
             <a:r>
               <a:rPr lang="ru" sz="1000">
@@ -42293,21 +42266,51 @@
                   <a:srgbClr val="080808"/>
                 </a:solidFill>
                 <a:highlight>
-                  <a:srgbClr val="FFFFFF"/>
+                  <a:schemeClr val="lt1"/>
                 </a:highlight>
                 <a:latin typeface="JetBrains Mono"/>
                 <a:ea typeface="JetBrains Mono"/>
                 <a:cs typeface="JetBrains Mono"/>
                 <a:sym typeface="JetBrains Mono"/>
               </a:rPr>
-              <a:t>ComparisonResult.Equal;</a:t>
+              <a:t>(!</a:t>
+            </a:r>
+            <a:r>
+              <a:rPr lang="ru" sz="1000">
+                <a:solidFill>
+                  <a:schemeClr val="dk1"/>
+                </a:solidFill>
+                <a:highlight>
+                  <a:schemeClr val="lt1"/>
+                </a:highlight>
+                <a:latin typeface="JetBrains Mono"/>
+                <a:ea typeface="JetBrains Mono"/>
+                <a:cs typeface="JetBrains Mono"/>
+                <a:sym typeface="JetBrains Mono"/>
+              </a:rPr>
+              <a:t>typePairs</a:t>
+            </a:r>
+            <a:r>
+              <a:rPr lang="ru" sz="1000">
+                <a:solidFill>
+                  <a:srgbClr val="080808"/>
+                </a:solidFill>
+                <a:highlight>
+                  <a:schemeClr val="lt1"/>
+                </a:highlight>
+                <a:latin typeface="JetBrains Mono"/>
+                <a:ea typeface="JetBrains Mono"/>
+                <a:cs typeface="JetBrains Mono"/>
+                <a:sym typeface="JetBrains Mono"/>
+              </a:rPr>
+              <a:t>.stream().allMatch(it -&gt; compatibleCLIType(it)))</a:t>
             </a:r>
             <a:endParaRPr sz="1000">
               <a:solidFill>
                 <a:srgbClr val="080808"/>
               </a:solidFill>
               <a:highlight>
-                <a:srgbClr val="FFFFFF"/>
+                <a:schemeClr val="lt1"/>
               </a:highlight>
               <a:latin typeface="JetBrains Mono"/>
               <a:ea typeface="JetBrains Mono"/>
@@ -42316,25 +42319,71 @@
             </a:endParaRPr>
           </a:p>
           <a:p>
-            <a:pPr indent="0" lvl="0" marL="0" marR="0" rtl="0" algn="l">
-              <a:spcBef>
-                <a:spcPts val="0"/>
-              </a:spcBef>
-              <a:spcAft>
-                <a:spcPts val="0"/>
-              </a:spcAft>
-              <a:buSzPts val="1100"/>
-              <a:buNone/>
-            </a:pPr>
-            <a:r>
-              <a:t/>
+            <a:pPr indent="0" lvl="0" marL="0" rtl="0" algn="l">
+              <a:spcBef>
+                <a:spcPts val="0"/>
+              </a:spcBef>
+              <a:spcAft>
+                <a:spcPts val="0"/>
+              </a:spcAft>
+              <a:buClr>
+                <a:schemeClr val="dk1"/>
+              </a:buClr>
+              <a:buSzPts val="1500"/>
+              <a:buFont typeface="Arial"/>
+              <a:buNone/>
+            </a:pPr>
+            <a:r>
+              <a:rPr lang="ru" sz="1000">
+                <a:solidFill>
+                  <a:srgbClr val="080808"/>
+                </a:solidFill>
+                <a:highlight>
+                  <a:schemeClr val="lt1"/>
+                </a:highlight>
+                <a:latin typeface="JetBrains Mono"/>
+                <a:ea typeface="JetBrains Mono"/>
+                <a:cs typeface="JetBrains Mono"/>
+                <a:sym typeface="JetBrains Mono"/>
+              </a:rPr>
+              <a:t>       </a:t>
+            </a:r>
+            <a:r>
+              <a:rPr lang="ru" sz="1000">
+                <a:solidFill>
+                  <a:srgbClr val="0033B3"/>
+                </a:solidFill>
+                <a:highlight>
+                  <a:schemeClr val="lt1"/>
+                </a:highlight>
+                <a:latin typeface="JetBrains Mono"/>
+                <a:ea typeface="JetBrains Mono"/>
+                <a:cs typeface="JetBrains Mono"/>
+                <a:sym typeface="JetBrains Mono"/>
+              </a:rPr>
+              <a:t>return new Pair(</a:t>
+            </a:r>
+            <a:r>
+              <a:rPr lang="ru" sz="1000">
+                <a:solidFill>
+                  <a:srgbClr val="080808"/>
+                </a:solidFill>
+                <a:highlight>
+                  <a:schemeClr val="lt1"/>
+                </a:highlight>
+                <a:latin typeface="JetBrains Mono"/>
+                <a:ea typeface="JetBrains Mono"/>
+                <a:cs typeface="JetBrains Mono"/>
+                <a:sym typeface="JetBrains Mono"/>
+              </a:rPr>
+              <a:t>ComparisonResult.Inconsistent, new ESType[]{});</a:t>
             </a:r>
             <a:endParaRPr sz="1000">
               <a:solidFill>
                 <a:srgbClr val="080808"/>
               </a:solidFill>
               <a:highlight>
-                <a:srgbClr val="FFFFFF"/>
+                <a:schemeClr val="lt1"/>
               </a:highlight>
               <a:latin typeface="JetBrains Mono"/>
               <a:ea typeface="JetBrains Mono"/>
@@ -42343,97 +42392,29 @@
             </a:endParaRPr>
           </a:p>
           <a:p>
-            <a:pPr indent="0" lvl="0" marL="0" marR="0" rtl="0" algn="l">
-              <a:spcBef>
-                <a:spcPts val="0"/>
-              </a:spcBef>
-              <a:spcAft>
-                <a:spcPts val="0"/>
-              </a:spcAft>
-              <a:buSzPts val="1100"/>
-              <a:buNone/>
-            </a:pPr>
-            <a:r>
-              <a:rPr lang="ru" sz="1000">
-                <a:solidFill>
-                  <a:srgbClr val="080808"/>
-                </a:solidFill>
-                <a:highlight>
-                  <a:srgbClr val="FFFFFF"/>
-                </a:highlight>
-                <a:latin typeface="JetBrains Mono"/>
-                <a:ea typeface="JetBrains Mono"/>
-                <a:cs typeface="JetBrains Mono"/>
-                <a:sym typeface="JetBrains Mono"/>
-              </a:rPr>
-              <a:t>   </a:t>
-            </a:r>
-            <a:r>
-              <a:rPr lang="ru" sz="1000">
-                <a:solidFill>
-                  <a:srgbClr val="0033B3"/>
-                </a:solidFill>
-                <a:highlight>
-                  <a:srgbClr val="FFFFFF"/>
-                </a:highlight>
-                <a:latin typeface="JetBrains Mono"/>
-                <a:ea typeface="JetBrains Mono"/>
-                <a:cs typeface="JetBrains Mono"/>
-                <a:sym typeface="JetBrains Mono"/>
-              </a:rPr>
-              <a:t>if </a:t>
-            </a:r>
-            <a:r>
-              <a:rPr lang="ru" sz="1000">
-                <a:solidFill>
-                  <a:srgbClr val="080808"/>
-                </a:solidFill>
-                <a:highlight>
-                  <a:srgbClr val="FFFFFF"/>
-                </a:highlight>
-                <a:latin typeface="JetBrains Mono"/>
-                <a:ea typeface="JetBrains Mono"/>
-                <a:cs typeface="JetBrains Mono"/>
-                <a:sym typeface="JetBrains Mono"/>
-              </a:rPr>
-              <a:t>(!</a:t>
-            </a:r>
-            <a:r>
-              <a:rPr lang="ru" sz="1000">
-                <a:solidFill>
-                  <a:schemeClr val="dk1"/>
-                </a:solidFill>
-                <a:highlight>
-                  <a:srgbClr val="FFFFFF"/>
-                </a:highlight>
-                <a:latin typeface="JetBrains Mono"/>
-                <a:ea typeface="JetBrains Mono"/>
-                <a:cs typeface="JetBrains Mono"/>
-                <a:sym typeface="JetBrains Mono"/>
-              </a:rPr>
-              <a:t>typePairs</a:t>
-            </a:r>
-            <a:r>
-              <a:rPr lang="ru" sz="1000">
-                <a:solidFill>
-                  <a:srgbClr val="080808"/>
-                </a:solidFill>
-                <a:highlight>
-                  <a:srgbClr val="FFFFFF"/>
-                </a:highlight>
-                <a:latin typeface="JetBrains Mono"/>
-                <a:ea typeface="JetBrains Mono"/>
-                <a:cs typeface="JetBrains Mono"/>
-                <a:sym typeface="JetBrains Mono"/>
-              </a:rPr>
-              <a:t>.stream().allMatch(it -&gt; compatibleCLIType(it)))</a:t>
+            <a:pPr indent="0" lvl="0" marL="0" rtl="0" algn="l">
+              <a:spcBef>
+                <a:spcPts val="0"/>
+              </a:spcBef>
+              <a:spcAft>
+                <a:spcPts val="0"/>
+              </a:spcAft>
+              <a:buClr>
+                <a:schemeClr val="dk1"/>
+              </a:buClr>
+              <a:buSzPts val="1500"/>
+              <a:buFont typeface="Arial"/>
+              <a:buNone/>
+            </a:pPr>
+            <a:r>
+              <a:t/>
             </a:r>
             <a:endParaRPr sz="1000">
               <a:solidFill>
                 <a:srgbClr val="080808"/>
               </a:solidFill>
               <a:highlight>
-                <a:srgbClr val="FFFFFF"/>
+                <a:schemeClr val="lt1"/>
               </a:highlight>
               <a:latin typeface="JetBrains Mono"/>
               <a:ea typeface="JetBrains Mono"/>
@@ -42442,14 +42423,18 @@
             </a:endParaRPr>
           </a:p>
           <a:p>
-            <a:pPr indent="0" lvl="0" marL="0" marR="0" rtl="0" algn="l">
-              <a:spcBef>
-                <a:spcPts val="0"/>
-              </a:spcBef>
-              <a:spcAft>
-                <a:spcPts val="0"/>
-              </a:spcAft>
-              <a:buSzPts val="1100"/>
+            <a:pPr indent="0" lvl="0" marL="0" rtl="0" algn="l">
+              <a:spcBef>
+                <a:spcPts val="0"/>
+              </a:spcBef>
+              <a:spcAft>
+                <a:spcPts val="0"/>
+              </a:spcAft>
+              <a:buClr>
+                <a:schemeClr val="dk1"/>
+              </a:buClr>
+              <a:buSzPts val="1500"/>
+              <a:buFont typeface="Arial"/>
               <a:buNone/>
             </a:pPr>
             <a:r>
@@ -42458,14 +42443,14 @@
                   <a:srgbClr val="080808"/>
                 </a:solidFill>
                 <a:highlight>
-                  <a:srgbClr val="FFFFFF"/>
+                  <a:schemeClr val="lt1"/>
                 </a:highlight>
                 <a:latin typeface="JetBrains Mono"/>
                 <a:ea typeface="JetBrains Mono"/>
                 <a:cs typeface="JetBrains Mono"/>
                 <a:sym typeface="JetBrains Mono"/>
               </a:rPr>
-              <a:t>       </a:t>
+              <a:t>   </a:t>
             </a:r>
             <a:r>
               <a:rPr lang="ru" sz="1000">
@@ -42473,36 +42458,141 @@
                   <a:srgbClr val="0033B3"/>
                 </a:solidFill>
                 <a:highlight>
-                  <a:srgbClr val="FFFFFF"/>
+                  <a:schemeClr val="lt1"/>
                 </a:highlight>
                 <a:latin typeface="JetBrains Mono"/>
                 <a:ea typeface="JetBrains Mono"/>
                 <a:cs typeface="JetBrains Mono"/>
                 <a:sym typeface="JetBrains Mono"/>
               </a:rPr>
-              <a:t>return </a:t>
+              <a:t>var </a:t>
             </a:r>
             <a:r>
               <a:rPr lang="ru" sz="1000">
                 <a:solidFill>
-                  <a:srgbClr val="080808"/>
+                  <a:schemeClr val="dk1"/>
                 </a:solidFill>
                 <a:highlight>
-                  <a:srgbClr val="FFFFFF"/>
+                  <a:schemeClr val="lt1"/>
                 </a:highlight>
                 <a:latin typeface="JetBrains Mono"/>
                 <a:ea typeface="JetBrains Mono"/>
                 <a:cs typeface="JetBrains Mono"/>
                 <a:sym typeface="JetBrains Mono"/>
               </a:rPr>
-              <a:t>ComparisonResult.Inconsistent;</a:t>
+              <a:t>commonTypes </a:t>
+            </a:r>
+            <a:r>
+              <a:rPr lang="ru" sz="1000">
+                <a:solidFill>
+                  <a:srgbClr val="080808"/>
+                </a:solidFill>
+                <a:highlight>
+                  <a:schemeClr val="lt1"/>
+                </a:highlight>
+                <a:latin typeface="JetBrains Mono"/>
+                <a:ea typeface="JetBrains Mono"/>
+                <a:cs typeface="JetBrains Mono"/>
+                <a:sym typeface="JetBrains Mono"/>
+              </a:rPr>
+              <a:t>= </a:t>
+            </a:r>
+            <a:r>
+              <a:rPr lang="ru" sz="1000">
+                <a:solidFill>
+                  <a:schemeClr val="dk1"/>
+                </a:solidFill>
+                <a:highlight>
+                  <a:schemeClr val="lt1"/>
+                </a:highlight>
+                <a:latin typeface="JetBrains Mono"/>
+                <a:ea typeface="JetBrains Mono"/>
+                <a:cs typeface="JetBrains Mono"/>
+                <a:sym typeface="JetBrains Mono"/>
+              </a:rPr>
+              <a:t>typePairs</a:t>
+            </a:r>
+            <a:r>
+              <a:rPr lang="ru" sz="1000">
+                <a:solidFill>
+                  <a:srgbClr val="080808"/>
+                </a:solidFill>
+                <a:highlight>
+                  <a:schemeClr val="lt1"/>
+                </a:highlight>
+                <a:latin typeface="JetBrains Mono"/>
+                <a:ea typeface="JetBrains Mono"/>
+                <a:cs typeface="JetBrains Mono"/>
+                <a:sym typeface="JetBrains Mono"/>
+              </a:rPr>
+              <a:t>.stream().map(it -&gt; getCommonType(it)).collect(</a:t>
+            </a:r>
+            <a:r>
+              <a:rPr lang="ru" sz="1000">
+                <a:solidFill>
+                  <a:schemeClr val="dk1"/>
+                </a:solidFill>
+                <a:highlight>
+                  <a:schemeClr val="lt1"/>
+                </a:highlight>
+                <a:latin typeface="JetBrains Mono"/>
+                <a:ea typeface="JetBrains Mono"/>
+                <a:cs typeface="JetBrains Mono"/>
+                <a:sym typeface="JetBrains Mono"/>
+              </a:rPr>
+              <a:t>Collectors</a:t>
+            </a:r>
+            <a:r>
+              <a:rPr lang="ru" sz="1000">
+                <a:solidFill>
+                  <a:srgbClr val="080808"/>
+                </a:solidFill>
+                <a:highlight>
+                  <a:schemeClr val="lt1"/>
+                </a:highlight>
+                <a:latin typeface="JetBrains Mono"/>
+                <a:ea typeface="JetBrains Mono"/>
+                <a:cs typeface="JetBrains Mono"/>
+                <a:sym typeface="JetBrains Mono"/>
+              </a:rPr>
+              <a:t>.</a:t>
+            </a:r>
+            <a:r>
+              <a:rPr i="1" lang="ru" sz="1000">
+                <a:solidFill>
+                  <a:srgbClr val="080808"/>
+                </a:solidFill>
+                <a:highlight>
+                  <a:schemeClr val="lt1"/>
+                </a:highlight>
+                <a:latin typeface="JetBrains Mono"/>
+                <a:ea typeface="JetBrains Mono"/>
+                <a:cs typeface="JetBrains Mono"/>
+                <a:sym typeface="JetBrains Mono"/>
+              </a:rPr>
+              <a:t>toList</a:t>
+            </a:r>
+            <a:r>
+              <a:rPr lang="ru" sz="1000">
+                <a:solidFill>
+                  <a:srgbClr val="080808"/>
+                </a:solidFill>
+                <a:highlight>
+                  <a:schemeClr val="lt1"/>
+                </a:highlight>
+                <a:latin typeface="JetBrains Mono"/>
+                <a:ea typeface="JetBrains Mono"/>
+                <a:cs typeface="JetBrains Mono"/>
+                <a:sym typeface="JetBrains Mono"/>
+              </a:rPr>
+              <a:t>());</a:t>
             </a:r>
             <a:endParaRPr sz="1000">
               <a:solidFill>
                 <a:srgbClr val="080808"/>
               </a:solidFill>
               <a:highlight>
-                <a:srgbClr val="FFFFFF"/>
+                <a:schemeClr val="lt1"/>
               </a:highlight>
               <a:latin typeface="JetBrains Mono"/>
               <a:ea typeface="JetBrains Mono"/>
@@ -42511,25 +42601,131 @@
             </a:endParaRPr>
           </a:p>
           <a:p>
-            <a:pPr indent="0" lvl="0" marL="0" marR="0" rtl="0" algn="l">
-              <a:spcBef>
-                <a:spcPts val="0"/>
-              </a:spcBef>
-              <a:spcAft>
-                <a:spcPts val="0"/>
-              </a:spcAft>
-              <a:buSzPts val="1100"/>
-              <a:buNone/>
-            </a:pPr>
-            <a:r>
-              <a:t/>
+            <a:pPr indent="0" lvl="0" marL="0" rtl="0" algn="l">
+              <a:spcBef>
+                <a:spcPts val="0"/>
+              </a:spcBef>
+              <a:spcAft>
+                <a:spcPts val="0"/>
+              </a:spcAft>
+              <a:buClr>
+                <a:schemeClr val="dk1"/>
+              </a:buClr>
+              <a:buSzPts val="1500"/>
+              <a:buFont typeface="Arial"/>
+              <a:buNone/>
+            </a:pPr>
+            <a:r>
+              <a:rPr lang="ru" sz="1000">
+                <a:solidFill>
+                  <a:srgbClr val="080808"/>
+                </a:solidFill>
+                <a:highlight>
+                  <a:schemeClr val="lt1"/>
+                </a:highlight>
+                <a:latin typeface="JetBrains Mono"/>
+                <a:ea typeface="JetBrains Mono"/>
+                <a:cs typeface="JetBrains Mono"/>
+                <a:sym typeface="JetBrains Mono"/>
+              </a:rPr>
+              <a:t>   </a:t>
+            </a:r>
+            <a:r>
+              <a:rPr lang="ru" sz="1000">
+                <a:solidFill>
+                  <a:srgbClr val="0033B3"/>
+                </a:solidFill>
+                <a:highlight>
+                  <a:schemeClr val="lt1"/>
+                </a:highlight>
+                <a:latin typeface="JetBrains Mono"/>
+                <a:ea typeface="JetBrains Mono"/>
+                <a:cs typeface="JetBrains Mono"/>
+                <a:sym typeface="JetBrains Mono"/>
+              </a:rPr>
+              <a:t>if </a:t>
+            </a:r>
+            <a:r>
+              <a:rPr lang="ru" sz="1000">
+                <a:solidFill>
+                  <a:srgbClr val="080808"/>
+                </a:solidFill>
+                <a:highlight>
+                  <a:schemeClr val="lt1"/>
+                </a:highlight>
+                <a:latin typeface="JetBrains Mono"/>
+                <a:ea typeface="JetBrains Mono"/>
+                <a:cs typeface="JetBrains Mono"/>
+                <a:sym typeface="JetBrains Mono"/>
+              </a:rPr>
+              <a:t>(</a:t>
+            </a:r>
+            <a:r>
+              <a:rPr lang="ru" sz="1000">
+                <a:solidFill>
+                  <a:schemeClr val="dk1"/>
+                </a:solidFill>
+                <a:highlight>
+                  <a:schemeClr val="lt1"/>
+                </a:highlight>
+                <a:latin typeface="JetBrains Mono"/>
+                <a:ea typeface="JetBrains Mono"/>
+                <a:cs typeface="JetBrains Mono"/>
+                <a:sym typeface="JetBrains Mono"/>
+              </a:rPr>
+              <a:t>commonTypes</a:t>
+            </a:r>
+            <a:r>
+              <a:rPr lang="ru" sz="1000">
+                <a:solidFill>
+                  <a:srgbClr val="080808"/>
+                </a:solidFill>
+                <a:highlight>
+                  <a:schemeClr val="lt1"/>
+                </a:highlight>
+                <a:latin typeface="JetBrains Mono"/>
+                <a:ea typeface="JetBrains Mono"/>
+                <a:cs typeface="JetBrains Mono"/>
+                <a:sym typeface="JetBrains Mono"/>
+              </a:rPr>
+              <a:t>.stream().anyMatch(t -&gt; t == </a:t>
+            </a:r>
+            <a:r>
+              <a:rPr lang="ru" sz="1000">
+                <a:solidFill>
+                  <a:srgbClr val="0033B3"/>
+                </a:solidFill>
+                <a:highlight>
+                  <a:schemeClr val="lt1"/>
+                </a:highlight>
+                <a:latin typeface="JetBrains Mono"/>
+                <a:ea typeface="JetBrains Mono"/>
+                <a:cs typeface="JetBrains Mono"/>
+                <a:sym typeface="JetBrains Mono"/>
+              </a:rPr>
+              <a:t>null</a:t>
+            </a:r>
+            <a:r>
+              <a:rPr lang="ru" sz="1000">
+                <a:solidFill>
+                  <a:srgbClr val="080808"/>
+                </a:solidFill>
+                <a:highlight>
+                  <a:schemeClr val="lt1"/>
+                </a:highlight>
+                <a:latin typeface="JetBrains Mono"/>
+                <a:ea typeface="JetBrains Mono"/>
+                <a:cs typeface="JetBrains Mono"/>
+                <a:sym typeface="JetBrains Mono"/>
+              </a:rPr>
+              <a:t>))</a:t>
             </a:r>
             <a:endParaRPr sz="1000">
               <a:solidFill>
                 <a:srgbClr val="080808"/>
               </a:solidFill>
               <a:highlight>
-                <a:srgbClr val="FFFFFF"/>
+                <a:schemeClr val="lt1"/>
               </a:highlight>
               <a:latin typeface="JetBrains Mono"/>
               <a:ea typeface="JetBrains Mono"/>
@@ -42538,14 +42734,18 @@
             </a:endParaRPr>
           </a:p>
           <a:p>
-            <a:pPr indent="0" lvl="0" marL="0" marR="0" rtl="0" algn="l">
-              <a:spcBef>
-                <a:spcPts val="0"/>
-              </a:spcBef>
-              <a:spcAft>
-                <a:spcPts val="0"/>
-              </a:spcAft>
-              <a:buSzPts val="1100"/>
+            <a:pPr indent="0" lvl="0" marL="0" rtl="0" algn="l">
+              <a:spcBef>
+                <a:spcPts val="0"/>
+              </a:spcBef>
+              <a:spcAft>
+                <a:spcPts val="0"/>
+              </a:spcAft>
+              <a:buClr>
+                <a:schemeClr val="dk1"/>
+              </a:buClr>
+              <a:buSzPts val="1500"/>
+              <a:buFont typeface="Arial"/>
               <a:buNone/>
             </a:pPr>
             <a:r>
@@ -42554,14 +42754,14 @@
                   <a:srgbClr val="080808"/>
                 </a:solidFill>
                 <a:highlight>
-                  <a:srgbClr val="FFFFFF"/>
+                  <a:schemeClr val="lt1"/>
                 </a:highlight>
                 <a:latin typeface="JetBrains Mono"/>
                 <a:ea typeface="JetBrains Mono"/>
                 <a:cs typeface="JetBrains Mono"/>
                 <a:sym typeface="JetBrains Mono"/>
               </a:rPr>
-              <a:t>   </a:t>
+              <a:t>       </a:t>
             </a:r>
             <a:r>
               <a:rPr lang="ru" sz="1000">
@@ -42569,141 +42769,36 @@
                   <a:srgbClr val="0033B3"/>
                 </a:solidFill>
                 <a:highlight>
-                  <a:srgbClr val="FFFFFF"/>
+                  <a:schemeClr val="lt1"/>
                 </a:highlight>
                 <a:latin typeface="JetBrains Mono"/>
                 <a:ea typeface="JetBrains Mono"/>
                 <a:cs typeface="JetBrains Mono"/>
                 <a:sym typeface="JetBrains Mono"/>
               </a:rPr>
-              <a:t>var </a:t>
+              <a:t>return new Pair(</a:t>
             </a:r>
             <a:r>
               <a:rPr lang="ru" sz="1000">
                 <a:solidFill>
-                  <a:schemeClr val="dk1"/>
+                  <a:srgbClr val="080808"/>
                 </a:solidFill>
                 <a:highlight>
-                  <a:srgbClr val="FFFFFF"/>
+                  <a:schemeClr val="lt1"/>
                 </a:highlight>
                 <a:latin typeface="JetBrains Mono"/>
                 <a:ea typeface="JetBrains Mono"/>
                 <a:cs typeface="JetBrains Mono"/>
                 <a:sym typeface="JetBrains Mono"/>
               </a:rPr>
-              <a:t>commonTypes </a:t>
-            </a:r>
-            <a:r>
-              <a:rPr lang="ru" sz="1000">
-                <a:solidFill>
-                  <a:srgbClr val="080808"/>
-                </a:solidFill>
-                <a:highlight>
-                  <a:srgbClr val="FFFFFF"/>
-                </a:highlight>
-                <a:latin typeface="JetBrains Mono"/>
-                <a:ea typeface="JetBrains Mono"/>
-                <a:cs typeface="JetBrains Mono"/>
-                <a:sym typeface="JetBrains Mono"/>
-              </a:rPr>
-              <a:t>= </a:t>
-            </a:r>
-            <a:r>
-              <a:rPr lang="ru" sz="1000">
-                <a:solidFill>
-                  <a:schemeClr val="dk1"/>
-                </a:solidFill>
-                <a:highlight>
-                  <a:srgbClr val="FFFFFF"/>
-                </a:highlight>
-                <a:latin typeface="JetBrains Mono"/>
-                <a:ea typeface="JetBrains Mono"/>
-                <a:cs typeface="JetBrains Mono"/>
-                <a:sym typeface="JetBrains Mono"/>
-              </a:rPr>
-              <a:t>typePairs</a:t>
-            </a:r>
-            <a:r>
-              <a:rPr lang="ru" sz="1000">
-                <a:solidFill>
-                  <a:srgbClr val="080808"/>
-                </a:solidFill>
-                <a:highlight>
-                  <a:srgbClr val="FFFFFF"/>
-                </a:highlight>
-                <a:latin typeface="JetBrains Mono"/>
-                <a:ea typeface="JetBrains Mono"/>
-                <a:cs typeface="JetBrains Mono"/>
-                <a:sym typeface="JetBrains Mono"/>
-              </a:rPr>
-              <a:t>.stream().map(it -&gt; getCommonType(it)).collect(</a:t>
-            </a:r>
-            <a:r>
-              <a:rPr lang="ru" sz="1000">
-                <a:solidFill>
-                  <a:schemeClr val="dk1"/>
-                </a:solidFill>
-                <a:highlight>
-                  <a:srgbClr val="FFFFFF"/>
-                </a:highlight>
-                <a:latin typeface="JetBrains Mono"/>
-                <a:ea typeface="JetBrains Mono"/>
-                <a:cs typeface="JetBrains Mono"/>
-                <a:sym typeface="JetBrains Mono"/>
-              </a:rPr>
-              <a:t>Collectors</a:t>
-            </a:r>
-            <a:r>
-              <a:rPr lang="ru" sz="1000">
-                <a:solidFill>
-                  <a:srgbClr val="080808"/>
-                </a:solidFill>
-                <a:highlight>
-                  <a:srgbClr val="FFFFFF"/>
-                </a:highlight>
-                <a:latin typeface="JetBrains Mono"/>
-                <a:ea typeface="JetBrains Mono"/>
-                <a:cs typeface="JetBrains Mono"/>
-                <a:sym typeface="JetBrains Mono"/>
-              </a:rPr>
-              <a:t>.</a:t>
-            </a:r>
-            <a:r>
-              <a:rPr i="1" lang="ru" sz="1000">
-                <a:solidFill>
-                  <a:srgbClr val="080808"/>
-                </a:solidFill>
-                <a:highlight>
-                  <a:srgbClr val="FFFFFF"/>
-                </a:highlight>
-                <a:latin typeface="JetBrains Mono"/>
-                <a:ea typeface="JetBrains Mono"/>
-                <a:cs typeface="JetBrains Mono"/>
-                <a:sym typeface="JetBrains Mono"/>
-              </a:rPr>
-              <a:t>toList</a:t>
-            </a:r>
-            <a:r>
-              <a:rPr lang="ru" sz="1000">
-                <a:solidFill>
-                  <a:srgbClr val="080808"/>
-                </a:solidFill>
-                <a:highlight>
-                  <a:srgbClr val="FFFFFF"/>
-                </a:highlight>
-                <a:latin typeface="JetBrains Mono"/>
-                <a:ea typeface="JetBrains Mono"/>
-                <a:cs typeface="JetBrains Mono"/>
-                <a:sym typeface="JetBrains Mono"/>
-              </a:rPr>
-              <a:t>());</a:t>
+              <a:t>ComparisonResult.INCONSISTENT, new ESType[]{});</a:t>
             </a:r>
             <a:endParaRPr sz="1000">
               <a:solidFill>
                 <a:srgbClr val="080808"/>
               </a:solidFill>
               <a:highlight>
-                <a:srgbClr val="FFFFFF"/>
+                <a:schemeClr val="lt1"/>
               </a:highlight>
               <a:latin typeface="JetBrains Mono"/>
               <a:ea typeface="JetBrains Mono"/>
@@ -42712,127 +42807,29 @@
             </a:endParaRPr>
           </a:p>
           <a:p>
-            <a:pPr indent="0" lvl="0" marL="0" marR="0" rtl="0" algn="l">
-              <a:spcBef>
-                <a:spcPts val="0"/>
-              </a:spcBef>
-              <a:spcAft>
-                <a:spcPts val="0"/>
-              </a:spcAft>
-              <a:buSzPts val="1100"/>
-              <a:buNone/>
-            </a:pPr>
-            <a:r>
-              <a:rPr lang="ru" sz="1000">
-                <a:solidFill>
-                  <a:srgbClr val="080808"/>
-                </a:solidFill>
-                <a:highlight>
-                  <a:srgbClr val="FFFFFF"/>
-                </a:highlight>
-                <a:latin typeface="JetBrains Mono"/>
-                <a:ea typeface="JetBrains Mono"/>
-                <a:cs typeface="JetBrains Mono"/>
-                <a:sym typeface="JetBrains Mono"/>
-              </a:rPr>
-              <a:t>   </a:t>
-            </a:r>
-            <a:r>
-              <a:rPr lang="ru" sz="1000">
-                <a:solidFill>
-                  <a:srgbClr val="0033B3"/>
-                </a:solidFill>
-                <a:highlight>
-                  <a:srgbClr val="FFFFFF"/>
-                </a:highlight>
-                <a:latin typeface="JetBrains Mono"/>
-                <a:ea typeface="JetBrains Mono"/>
-                <a:cs typeface="JetBrains Mono"/>
-                <a:sym typeface="JetBrains Mono"/>
-              </a:rPr>
-              <a:t>if </a:t>
-            </a:r>
-            <a:r>
-              <a:rPr lang="ru" sz="1000">
-                <a:solidFill>
-                  <a:srgbClr val="080808"/>
-                </a:solidFill>
-                <a:highlight>
-                  <a:srgbClr val="FFFFFF"/>
-                </a:highlight>
-                <a:latin typeface="JetBrains Mono"/>
-                <a:ea typeface="JetBrains Mono"/>
-                <a:cs typeface="JetBrains Mono"/>
-                <a:sym typeface="JetBrains Mono"/>
-              </a:rPr>
-              <a:t>(</a:t>
-            </a:r>
-            <a:r>
-              <a:rPr lang="ru" sz="1000">
-                <a:solidFill>
-                  <a:schemeClr val="dk1"/>
-                </a:solidFill>
-                <a:highlight>
-                  <a:srgbClr val="FFFFFF"/>
-                </a:highlight>
-                <a:latin typeface="JetBrains Mono"/>
-                <a:ea typeface="JetBrains Mono"/>
-                <a:cs typeface="JetBrains Mono"/>
-                <a:sym typeface="JetBrains Mono"/>
-              </a:rPr>
-              <a:t>commonTypes</a:t>
-            </a:r>
-            <a:r>
-              <a:rPr lang="ru" sz="1000">
-                <a:solidFill>
-                  <a:srgbClr val="080808"/>
-                </a:solidFill>
-                <a:highlight>
-                  <a:srgbClr val="FFFFFF"/>
-                </a:highlight>
-                <a:latin typeface="JetBrains Mono"/>
-                <a:ea typeface="JetBrains Mono"/>
-                <a:cs typeface="JetBrains Mono"/>
-                <a:sym typeface="JetBrains Mono"/>
-              </a:rPr>
-              <a:t>.stream().anyMatch(t -&gt; t == </a:t>
-            </a:r>
-            <a:r>
-              <a:rPr lang="ru" sz="1000">
-                <a:solidFill>
-                  <a:srgbClr val="0033B3"/>
-                </a:solidFill>
-                <a:highlight>
-                  <a:srgbClr val="FFFFFF"/>
-                </a:highlight>
-                <a:latin typeface="JetBrains Mono"/>
-                <a:ea typeface="JetBrains Mono"/>
-                <a:cs typeface="JetBrains Mono"/>
-                <a:sym typeface="JetBrains Mono"/>
-              </a:rPr>
-              <a:t>null</a:t>
-            </a:r>
-            <a:r>
-              <a:rPr lang="ru" sz="1000">
-                <a:solidFill>
-                  <a:srgbClr val="080808"/>
-                </a:solidFill>
-                <a:highlight>
-                  <a:srgbClr val="FFFFFF"/>
-                </a:highlight>
-                <a:latin typeface="JetBrains Mono"/>
-                <a:ea typeface="JetBrains Mono"/>
-                <a:cs typeface="JetBrains Mono"/>
-                <a:sym typeface="JetBrains Mono"/>
-              </a:rPr>
-              <a:t>))</a:t>
+            <a:pPr indent="0" lvl="0" marL="0" rtl="0" algn="l">
+              <a:spcBef>
+                <a:spcPts val="0"/>
+              </a:spcBef>
+              <a:spcAft>
+                <a:spcPts val="0"/>
+              </a:spcAft>
+              <a:buClr>
+                <a:schemeClr val="dk1"/>
+              </a:buClr>
+              <a:buSzPts val="1500"/>
+              <a:buFont typeface="Arial"/>
+              <a:buNone/>
+            </a:pPr>
+            <a:r>
+              <a:t/>
             </a:r>
             <a:endParaRPr sz="1000">
               <a:solidFill>
                 <a:srgbClr val="080808"/>
               </a:solidFill>
               <a:highlight>
-                <a:srgbClr val="FFFFFF"/>
+                <a:schemeClr val="lt1"/>
               </a:highlight>
               <a:latin typeface="JetBrains Mono"/>
               <a:ea typeface="JetBrains Mono"/>
@@ -42841,14 +42838,18 @@
             </a:endParaRPr>
           </a:p>
           <a:p>
-            <a:pPr indent="0" lvl="0" marL="0" marR="0" rtl="0" algn="l">
-              <a:spcBef>
-                <a:spcPts val="0"/>
-              </a:spcBef>
-              <a:spcAft>
-                <a:spcPts val="0"/>
-              </a:spcAft>
-              <a:buSzPts val="1100"/>
+            <a:pPr indent="0" lvl="0" marL="0" rtl="0" algn="l">
+              <a:spcBef>
+                <a:spcPts val="0"/>
+              </a:spcBef>
+              <a:spcAft>
+                <a:spcPts val="0"/>
+              </a:spcAft>
+              <a:buClr>
+                <a:schemeClr val="dk1"/>
+              </a:buClr>
+              <a:buSzPts val="1500"/>
+              <a:buFont typeface="Arial"/>
               <a:buNone/>
             </a:pPr>
             <a:r>
@@ -42857,14 +42858,14 @@
                   <a:srgbClr val="080808"/>
                 </a:solidFill>
                 <a:highlight>
-                  <a:srgbClr val="FFFFFF"/>
+                  <a:schemeClr val="lt1"/>
                 </a:highlight>
                 <a:latin typeface="JetBrains Mono"/>
                 <a:ea typeface="JetBrains Mono"/>
                 <a:cs typeface="JetBrains Mono"/>
                 <a:sym typeface="JetBrains Mono"/>
               </a:rPr>
-              <a:t>       </a:t>
+              <a:t>   </a:t>
             </a:r>
             <a:r>
               <a:rPr lang="ru" sz="1000">
@@ -42872,14 +42873,14 @@
                   <a:srgbClr val="0033B3"/>
                 </a:solidFill>
                 <a:highlight>
-                  <a:srgbClr val="FFFFFF"/>
+                  <a:schemeClr val="lt1"/>
                 </a:highlight>
                 <a:latin typeface="JetBrains Mono"/>
                 <a:ea typeface="JetBrains Mono"/>
                 <a:cs typeface="JetBrains Mono"/>
                 <a:sym typeface="JetBrains Mono"/>
               </a:rPr>
-              <a:t>return </a:t>
+              <a:t>return new Pair(</a:t>
             </a:r>
             <a:r>
               <a:rPr lang="ru" sz="1000">
@@ -42887,21 +42888,21 @@
                   <a:srgbClr val="080808"/>
                 </a:solidFill>
                 <a:highlight>
-                  <a:srgbClr val="FFFFFF"/>
+                  <a:schemeClr val="lt1"/>
                 </a:highlight>
                 <a:latin typeface="JetBrains Mono"/>
                 <a:ea typeface="JetBrains Mono"/>
                 <a:cs typeface="JetBrains Mono"/>
                 <a:sym typeface="JetBrains Mono"/>
               </a:rPr>
-              <a:t>ComparisonResult.INCONSISTENT;</a:t>
+              <a:t>ComparisonResult.EQUIVALENT, commonTypes)</a:t>
             </a:r>
             <a:endParaRPr sz="1000">
               <a:solidFill>
                 <a:srgbClr val="080808"/>
               </a:solidFill>
               <a:highlight>
-                <a:srgbClr val="FFFFFF"/>
+                <a:schemeClr val="lt1"/>
               </a:highlight>
               <a:latin typeface="JetBrains Mono"/>
               <a:ea typeface="JetBrains Mono"/>
@@ -42910,41 +42911,18 @@
             </a:endParaRPr>
           </a:p>
           <a:p>
-            <a:pPr indent="0" lvl="0" marL="0" marR="0" rtl="0" algn="l">
-              <a:spcBef>
-                <a:spcPts val="0"/>
-              </a:spcBef>
-              <a:spcAft>
-                <a:spcPts val="0"/>
-              </a:spcAft>
-              <a:buSzPts val="1100"/>
-              <a:buNone/>
-            </a:pPr>
-            <a:r>
-              <a:t/>
-            </a:r>
-            <a:endParaRPr sz="1000">
-              <a:solidFill>
-                <a:srgbClr val="080808"/>
-              </a:solidFill>
-              <a:highlight>
-                <a:srgbClr val="FFFFFF"/>
-              </a:highlight>
-              <a:latin typeface="JetBrains Mono"/>
-              <a:ea typeface="JetBrains Mono"/>
-              <a:cs typeface="JetBrains Mono"/>
-              <a:sym typeface="JetBrains Mono"/>
-            </a:endParaRPr>
-          </a:p>
-          <a:p>
-            <a:pPr indent="0" lvl="0" marL="0" marR="0" rtl="0" algn="l">
-              <a:spcBef>
-                <a:spcPts val="0"/>
-              </a:spcBef>
-              <a:spcAft>
-                <a:spcPts val="0"/>
-              </a:spcAft>
-              <a:buSzPts val="1100"/>
+            <a:pPr indent="0" lvl="0" marL="0" rtl="0" algn="l">
+              <a:spcBef>
+                <a:spcPts val="0"/>
+              </a:spcBef>
+              <a:spcAft>
+                <a:spcPts val="0"/>
+              </a:spcAft>
+              <a:buClr>
+                <a:schemeClr val="dk1"/>
+              </a:buClr>
+              <a:buSzPts val="1500"/>
+              <a:buFont typeface="Arial"/>
               <a:buNone/>
             </a:pPr>
             <a:r>
@@ -42953,158 +42931,16 @@
                   <a:srgbClr val="080808"/>
                 </a:solidFill>
                 <a:highlight>
-                  <a:srgbClr val="FFFFFF"/>
+                  <a:schemeClr val="lt1"/>
                 </a:highlight>
                 <a:latin typeface="JetBrains Mono"/>
                 <a:ea typeface="JetBrains Mono"/>
                 <a:cs typeface="JetBrains Mono"/>
                 <a:sym typeface="JetBrains Mono"/>
               </a:rPr>
-              <a:t>   merged = </a:t>
-            </a:r>
-            <a:r>
-              <a:rPr lang="ru" sz="1000">
-                <a:solidFill>
-                  <a:schemeClr val="dk1"/>
-                </a:solidFill>
-                <a:highlight>
-                  <a:srgbClr val="FFFFFF"/>
-                </a:highlight>
-                <a:latin typeface="JetBrains Mono"/>
-                <a:ea typeface="JetBrains Mono"/>
-                <a:cs typeface="JetBrains Mono"/>
-                <a:sym typeface="JetBrains Mono"/>
-              </a:rPr>
-              <a:t>commonTypes</a:t>
-            </a:r>
-            <a:r>
-              <a:rPr lang="ru" sz="1000">
-                <a:solidFill>
-                  <a:srgbClr val="080808"/>
-                </a:solidFill>
-                <a:highlight>
-                  <a:srgbClr val="FFFFFF"/>
-                </a:highlight>
-                <a:latin typeface="JetBrains Mono"/>
-                <a:ea typeface="JetBrains Mono"/>
-                <a:cs typeface="JetBrains Mono"/>
-                <a:sym typeface="JetBrains Mono"/>
-              </a:rPr>
-              <a:t>;</a:t>
-            </a:r>
-            <a:endParaRPr sz="1000">
-              <a:solidFill>
-                <a:srgbClr val="080808"/>
-              </a:solidFill>
-              <a:highlight>
-                <a:srgbClr val="FFFFFF"/>
-              </a:highlight>
-              <a:latin typeface="JetBrains Mono"/>
-              <a:ea typeface="JetBrains Mono"/>
-              <a:cs typeface="JetBrains Mono"/>
-              <a:sym typeface="JetBrains Mono"/>
-            </a:endParaRPr>
-          </a:p>
-          <a:p>
-            <a:pPr indent="0" lvl="0" marL="0" marR="0" rtl="0" algn="l">
-              <a:spcBef>
-                <a:spcPts val="0"/>
-              </a:spcBef>
-              <a:spcAft>
-                <a:spcPts val="0"/>
-              </a:spcAft>
-              <a:buSzPts val="1100"/>
-              <a:buNone/>
-            </a:pPr>
-            <a:r>
-              <a:rPr lang="ru" sz="1000">
-                <a:solidFill>
-                  <a:srgbClr val="080808"/>
-                </a:solidFill>
-                <a:highlight>
-                  <a:srgbClr val="FFFFFF"/>
-                </a:highlight>
-                <a:latin typeface="JetBrains Mono"/>
-                <a:ea typeface="JetBrains Mono"/>
-                <a:cs typeface="JetBrains Mono"/>
-                <a:sym typeface="JetBrains Mono"/>
-              </a:rPr>
-              <a:t>   </a:t>
-            </a:r>
-            <a:r>
-              <a:rPr lang="ru" sz="1000">
-                <a:solidFill>
-                  <a:srgbClr val="0033B3"/>
-                </a:solidFill>
-                <a:highlight>
-                  <a:srgbClr val="FFFFFF"/>
-                </a:highlight>
-                <a:latin typeface="JetBrains Mono"/>
-                <a:ea typeface="JetBrains Mono"/>
-                <a:cs typeface="JetBrains Mono"/>
-                <a:sym typeface="JetBrains Mono"/>
-              </a:rPr>
-              <a:t>return </a:t>
-            </a:r>
-            <a:r>
-              <a:rPr lang="ru" sz="1000">
-                <a:solidFill>
-                  <a:srgbClr val="080808"/>
-                </a:solidFill>
-                <a:highlight>
-                  <a:srgbClr val="FFFFFF"/>
-                </a:highlight>
-                <a:latin typeface="JetBrains Mono"/>
-                <a:ea typeface="JetBrains Mono"/>
-                <a:cs typeface="JetBrains Mono"/>
-                <a:sym typeface="JetBrains Mono"/>
-              </a:rPr>
-              <a:t>ComparisonResult.EQUIVALENT;</a:t>
-            </a:r>
-            <a:endParaRPr sz="1000">
-              <a:solidFill>
-                <a:srgbClr val="080808"/>
-              </a:solidFill>
-              <a:highlight>
-                <a:srgbClr val="FFFFFF"/>
-              </a:highlight>
-              <a:latin typeface="JetBrains Mono"/>
-              <a:ea typeface="JetBrains Mono"/>
-              <a:cs typeface="JetBrains Mono"/>
-              <a:sym typeface="JetBrains Mono"/>
-            </a:endParaRPr>
-          </a:p>
-          <a:p>
-            <a:pPr indent="0" lvl="0" marL="0" marR="0" rtl="0" algn="l">
-              <a:spcBef>
-                <a:spcPts val="0"/>
-              </a:spcBef>
-              <a:spcAft>
-                <a:spcPts val="0"/>
-              </a:spcAft>
-              <a:buClr>
-                <a:schemeClr val="dk1"/>
-              </a:buClr>
-              <a:buSzPts val="1100"/>
-              <a:buFont typeface="Arial"/>
-              <a:buNone/>
-            </a:pPr>
-            <a:r>
-              <a:rPr lang="ru" sz="1000">
-                <a:solidFill>
-                  <a:srgbClr val="080808"/>
-                </a:solidFill>
-                <a:highlight>
-                  <a:srgbClr val="FFFFFF"/>
-                </a:highlight>
-                <a:latin typeface="JetBrains Mono"/>
-                <a:ea typeface="JetBrains Mono"/>
-                <a:cs typeface="JetBrains Mono"/>
-                <a:sym typeface="JetBrains Mono"/>
-              </a:rPr>
               <a:t>}</a:t>
             </a:r>
-            <a:endParaRPr sz="1300">
+            <a:endParaRPr sz="700">
               <a:solidFill>
                 <a:srgbClr val="080808"/>
               </a:solidFill>
@@ -46866,6 +46702,285 @@
 </file>
 
 <file path=ppt/theme/theme1.xml><?xml version="1.0" encoding="utf-8"?>
+<a:theme xmlns:a="http://schemas.openxmlformats.org/drawingml/2006/main" xmlns:r="http://schemas.openxmlformats.org/officeDocument/2006/relationships">
+  <a:themeElements>
+    <a:clrScheme name="Default">
+      <a:dk1>
+        <a:srgbClr val="000000"/>
+      </a:dk1>
+      <a:lt1>
+        <a:srgbClr val="FFFFFF"/>
+      </a:lt1>
+      <a:dk2>
+        <a:srgbClr val="158158"/>
+      </a:dk2>
+      <a:lt2>
+        <a:srgbClr val="F3F3F3"/>
+      </a:lt2>
+      <a:accent1>
+        <a:srgbClr val="058DC7"/>
+      </a:accent1>
+      <a:accent2>
+        <a:srgbClr val="50B432"/>
+      </a:accent2>
+      <a:accent3>
+        <a:srgbClr val="ED561B"/>
+      </a:accent3>
+      <a:accent4>
+        <a:srgbClr val="EDEF00"/>
+      </a:accent4>
+      <a:accent5>
+        <a:srgbClr val="24CBE5"/>
+      </a:accent5>
+      <a:accent6>
+        <a:srgbClr val="64E572"/>
+      </a:accent6>
+      <a:hlink>
+        <a:srgbClr val="2200CC"/>
+      </a:hlink>
+      <a:folHlink>
+        <a:srgbClr val="551A8B"/>
+      </a:folHlink>
+    </a:clrScheme>
+    <a:fontScheme name="Office">
+      <a:majorFont>
+        <a:latin typeface="Arial"/>
+        <a:ea typeface=""/>
+        <a:cs typeface=""/>
+        <a:font script="Jpan" typeface="ＭＳ Ｐゴシック"/>
+        <a:font script="Hang" typeface="맑은 고딕"/>
+        <a:font script="Hans" typeface="宋体"/>
+        <a:font script="Hant" typeface="新細明體"/>
+        <a:font script="Arab" typeface="Times New Roman"/>
+        <a:font script="Hebr" typeface="Times New Roman"/>
+        <a:font script="Thai" typeface="Angsana New"/>
+        <a:font script="Ethi" typeface="Nyala"/>
+        <a:font script="Beng" typeface="Vrinda"/>
+        <a:font script="Gujr" typeface="Shruti"/>
+        <a:font script="Khmr" typeface="MoolBoran"/>
+        <a:font script="Knda" typeface="Tunga"/>
+        <a:font script="Guru" typeface="Raavi"/>
+        <a:font script="Cans" typeface="Euphemia"/>
+        <a:font script="Cher" typeface="Plantagenet Cherokee"/>
+        <a:font script="Yiii" typeface="Microsoft Yi Baiti"/>
+        <a:font script="Tibt" typeface="Microsoft Himalaya"/>
+        <a:font script="Thaa" typeface="MV Boli"/>
+        <a:font script="Deva" typeface="Mangal"/>
+        <a:font script="Telu" typeface="Gautami"/>
+        <a:font script="Taml" typeface="Latha"/>
+        <a:font script="Syrc" typeface="Estrangelo Edessa"/>
+        <a:font script="Orya" typeface="Kalinga"/>
+        <a:font script="Mlym" typeface="Kartika"/>
+        <a:font script="Laoo" typeface="DokChampa"/>
+        <a:font script="Sinh" typeface="Iskoola Pota"/>
+        <a:font script="Mong" typeface="Mongolian Baiti"/>
+        <a:font script="Viet" typeface="Times New Roman"/>
+        <a:font script="Uigh" typeface="Microsoft Uighur"/>
+        <a:font script="Geor" typeface="Sylfaen"/>
+      </a:majorFont>
+      <a:minorFont>
+        <a:latin typeface="Arial"/>
+        <a:ea typeface=""/>
+        <a:cs typeface=""/>
+        <a:font script="Jpan" typeface="ＭＳ Ｐゴシック"/>
+        <a:font script="Hang" typeface="맑은 고딕"/>
+        <a:font script="Hans" typeface="宋体"/>
+        <a:font script="Hant" typeface="新細明體"/>
+        <a:font script="Arab" typeface="Arial"/>
+        <a:font script="Hebr" typeface="Arial"/>
+        <a:font script="Thai" typeface="Cordia New"/>
+        <a:font script="Ethi" typeface="Nyala"/>
+        <a:font script="Beng" typeface="Vrinda"/>
+        <a:font script="Gujr" typeface="Shruti"/>
+        <a:font script="Khmr" typeface="DaunPenh"/>
+        <a:font script="Knda" typeface="Tunga"/>
+        <a:font script="Guru" typeface="Raavi"/>
+        <a:font script="Cans" typeface="Euphemia"/>
+        <a:font script="Cher" typeface="Plantagenet Cherokee"/>
+        <a:font script="Yiii" typeface="Microsoft Yi Baiti"/>
+        <a:font script="Tibt" typeface="Microsoft Himalaya"/>
+        <a:font script="Thaa" typeface="MV Boli"/>
+        <a:font script="Deva" typeface="Mangal"/>
+        <a:font script="Telu" typeface="Gautami"/>
+        <a:font script="Taml" typeface="Latha"/>
+        <a:font script="Syrc" typeface="Estrangelo Edessa"/>
+        <a:font script="Orya" typeface="Kalinga"/>
+        <a:font script="Mlym" typeface="Kartika"/>
+        <a:font script="Laoo" typeface="DokChampa"/>
+        <a:font script="Sinh" typeface="Iskoola Pota"/>
+        <a:font script="Mong" typeface="Mongolian Baiti"/>
+        <a:font script="Viet" typeface="Arial"/>
+        <a:font script="Uigh" typeface="Microsoft Uighur"/>
+        <a:font script="Geor" typeface="Sylfaen"/>
+      </a:minorFont>
+    </a:fontScheme>
+    <a:fmtScheme name="Office">
+      <a:fillStyleLst>
+        <a:solidFill>
+          <a:schemeClr val="phClr"/>
+        </a:solidFill>
+        <a:gradFill rotWithShape="1">
+          <a:gsLst>
+            <a:gs pos="0">
+              <a:schemeClr val="phClr">
+                <a:tint val="50000"/>
+                <a:satMod val="300000"/>
+              </a:schemeClr>
+            </a:gs>
+            <a:gs pos="35000">
+              <a:schemeClr val="phClr">
+                <a:tint val="37000"/>
+                <a:satMod val="300000"/>
+              </a:schemeClr>
+            </a:gs>
+            <a:gs pos="100000">
+              <a:schemeClr val="phClr">
+                <a:tint val="15000"/>
+                <a:satMod val="350000"/>
+              </a:schemeClr>
+            </a:gs>
+          </a:gsLst>
+          <a:lin ang="16200000" scaled="1"/>
+        </a:gradFill>
+        <a:gradFill rotWithShape="1">
+          <a:gsLst>
+            <a:gs pos="0">
+              <a:schemeClr val="phClr">
+                <a:tint val="100000"/>
+                <a:shade val="100000"/>
+                <a:satMod val="130000"/>
+              </a:schemeClr>
+            </a:gs>
+            <a:gs pos="100000">
+              <a:schemeClr val="phClr">
+                <a:tint val="50000"/>
+                <a:shade val="100000"/>
+                <a:satMod val="350000"/>
+              </a:schemeClr>
+            </a:gs>
+          </a:gsLst>
+          <a:lin ang="16200000" scaled="0"/>
+        </a:gradFill>
+      </a:fillStyleLst>
+      <a:lnStyleLst>
+        <a:ln w="9525" cap="flat" cmpd="sng" algn="ctr">
+          <a:solidFill>
+            <a:schemeClr val="phClr">
+              <a:shade val="95000"/>
+              <a:satMod val="105000"/>
+            </a:schemeClr>
+          </a:solidFill>
+          <a:prstDash val="solid"/>
+        </a:ln>
+        <a:ln w="25400" cap="flat" cmpd="sng" algn="ctr">
+          <a:solidFill>
+            <a:schemeClr val="phClr"/>
+          </a:solidFill>
+          <a:prstDash val="solid"/>
+        </a:ln>
+        <a:ln w="38100" cap="flat" cmpd="sng" algn="ctr">
+          <a:solidFill>
+            <a:schemeClr val="phClr"/>
+          </a:solidFill>
+          <a:prstDash val="solid"/>
+        </a:ln>
+      </a:lnStyleLst>
+      <a:effectStyleLst>
+        <a:effectStyle>
+          <a:effectLst>
+            <a:outerShdw blurRad="40000" dist="20000" dir="5400000" rotWithShape="0">
+              <a:srgbClr val="000000">
+                <a:alpha val="38000"/>
+              </a:srgbClr>
+            </a:outerShdw>
+          </a:effectLst>
+        </a:effectStyle>
+        <a:effectStyle>
+          <a:effectLst>
+            <a:outerShdw blurRad="40000" dist="23000" dir="5400000" rotWithShape="0">
+              <a:srgbClr val="000000">
+                <a:alpha val="35000"/>
+              </a:srgbClr>
+            </a:outerShdw>
+          </a:effectLst>
+        </a:effectStyle>
+        <a:effectStyle>
+          <a:effectLst>
+            <a:outerShdw blurRad="40000" dist="23000" dir="5400000" rotWithShape="0">
+              <a:srgbClr val="000000">
+                <a:alpha val="35000"/>
+              </a:srgbClr>
+            </a:outerShdw>
+          </a:effectLst>
+          <a:scene3d>
+            <a:camera prst="orthographicFront">
+              <a:rot lat="0" lon="0" rev="0"/>
+            </a:camera>
+            <a:lightRig rig="threePt" dir="t">
+              <a:rot lat="0" lon="0" rev="1200000"/>
+            </a:lightRig>
+          </a:scene3d>
+          <a:sp3d>
+            <a:bevelT w="63500" h="25400"/>
+          </a:sp3d>
+        </a:effectStyle>
+      </a:effectStyleLst>
+      <a:bgFillStyleLst>
+        <a:solidFill>
+          <a:schemeClr val="phClr"/>
+        </a:solidFill>
+        <a:gradFill rotWithShape="1">
+          <a:gsLst>
+            <a:gs pos="0">
+              <a:schemeClr val="phClr">
+                <a:tint val="40000"/>
+                <a:satMod val="350000"/>
+              </a:schemeClr>
+            </a:gs>
+            <a:gs pos="40000">
+              <a:schemeClr val="phClr">
+                <a:tint val="45000"/>
+                <a:shade val="99000"/>
+                <a:satMod val="350000"/>
+              </a:schemeClr>
+            </a:gs>
+            <a:gs pos="100000">
+              <a:schemeClr val="phClr">
+                <a:shade val="20000"/>
+                <a:satMod val="255000"/>
+              </a:schemeClr>
+            </a:gs>
+          </a:gsLst>
+          <a:path path="circle">
+            <a:fillToRect l="50000" t="-80000" r="50000" b="180000"/>
+          </a:path>
+        </a:gradFill>
+        <a:gradFill rotWithShape="1">
+          <a:gsLst>
+            <a:gs pos="0">
+              <a:schemeClr val="phClr">
+                <a:tint val="80000"/>
+                <a:satMod val="300000"/>
+              </a:schemeClr>
+            </a:gs>
+            <a:gs pos="100000">
+              <a:schemeClr val="phClr">
+                <a:shade val="30000"/>
+                <a:satMod val="200000"/>
+              </a:schemeClr>
+            </a:gs>
+          </a:gsLst>
+          <a:path path="circle">
+            <a:fillToRect l="50000" t="50000" r="50000" b="50000"/>
+          </a:path>
+        </a:gradFill>
+      </a:bgFillStyleLst>
+    </a:fmtScheme>
+  </a:themeElements>
+</a:theme>
+</file>
+
+<file path=ppt/theme/theme2.xml><?xml version="1.0" encoding="utf-8"?>
 <a:theme xmlns:a="http://schemas.openxmlformats.org/drawingml/2006/main" xmlns:r="http://schemas.openxmlformats.org/officeDocument/2006/relationships" name="Simple Light">
   <a:themeElements>
     <a:clrScheme name="Simple Light">
@@ -47144,7 +47259,7 @@
 </a:theme>
 </file>
 
-<file path=ppt/theme/theme2.xml><?xml version="1.0" encoding="utf-8"?>
+<file path=ppt/theme/theme3.xml><?xml version="1.0" encoding="utf-8"?>
 <a:theme xmlns:a="http://schemas.openxmlformats.org/drawingml/2006/main" xmlns:r="http://schemas.openxmlformats.org/officeDocument/2006/relationships" name="Макеты слайдов с основной цветовой темой">
   <a:themeElements>
     <a:clrScheme name="Контур.Продукты">
@@ -47421,283 +47536,4 @@
     </a:fmtScheme>
   </a:themeElements>
 </a:theme>
-</file>
-
-<file path=ppt/theme/theme3.xml><?xml version="1.0" encoding="utf-8"?>
-<a:theme xmlns:a="http://schemas.openxmlformats.org/drawingml/2006/main" xmlns:r="http://schemas.openxmlformats.org/officeDocument/2006/relationships">
-  <a:themeElements>
-    <a:clrScheme name="Default">
-      <a:dk1>
-        <a:srgbClr val="000000"/>
-      </a:dk1>
-      <a:lt1>
-        <a:srgbClr val="FFFFFF"/>
-      </a:lt1>
-      <a:dk2>
-        <a:srgbClr val="158158"/>
-      </a:dk2>
-      <a:lt2>
-        <a:srgbClr val="F3F3F3"/>
-      </a:lt2>
-      <a:accent1>
-        <a:srgbClr val="058DC7"/>
-      </a:accent1>
-      <a:accent2>
-        <a:srgbClr val="50B432"/>
-      </a:accent2>
-      <a:accent3>
-        <a:srgbClr val="ED561B"/>
-      </a:accent3>
-      <a:accent4>
-        <a:srgbClr val="EDEF00"/>
-      </a:accent4>
-      <a:accent5>
-        <a:srgbClr val="24CBE5"/>
-      </a:accent5>
-      <a:accent6>
-        <a:srgbClr val="64E572"/>
-      </a:accent6>
-      <a:hlink>
-        <a:srgbClr val="2200CC"/>
-      </a:hlink>
-      <a:folHlink>
-        <a:srgbClr val="551A8B"/>
-      </a:folHlink>
-    </a:clrScheme>
-    <a:fontScheme name="Office">
-      <a:majorFont>
-        <a:latin typeface="Arial"/>
-        <a:ea typeface=""/>
-        <a:cs typeface=""/>
-        <a:font script="Jpan" typeface="ＭＳ Ｐゴシック"/>
-        <a:font script="Hang" typeface="맑은 고딕"/>
-        <a:font script="Hans" typeface="宋体"/>
-        <a:font script="Hant" typeface="新細明體"/>
-        <a:font script="Arab" typeface="Times New Roman"/>
-        <a:font script="Hebr" typeface="Times New Roman"/>
-        <a:font script="Thai" typeface="Angsana New"/>
-        <a:font script="Ethi" typeface="Nyala"/>
-        <a:font script="Beng" typeface="Vrinda"/>
-        <a:font script="Gujr" typeface="Shruti"/>
-        <a:font script="Khmr" typeface="MoolBoran"/>
-        <a:font script="Knda" typeface="Tunga"/>
-        <a:font script="Guru" typeface="Raavi"/>
-        <a:font script="Cans" typeface="Euphemia"/>
-        <a:font script="Cher" typeface="Plantagenet Cherokee"/>
-        <a:font script="Yiii" typeface="Microsoft Yi Baiti"/>
-        <a:font script="Tibt" typeface="Microsoft Himalaya"/>
-        <a:font script="Thaa" typeface="MV Boli"/>
-        <a:font script="Deva" typeface="Mangal"/>
-        <a:font script="Telu" typeface="Gautami"/>
-        <a:font script="Taml" typeface="Latha"/>
-        <a:font script="Syrc" typeface="Estrangelo Edessa"/>
-        <a:font script="Orya" typeface="Kalinga"/>
-        <a:font script="Mlym" typeface="Kartika"/>
-        <a:font script="Laoo" typeface="DokChampa"/>
-        <a:font script="Sinh" typeface="Iskoola Pota"/>
-        <a:font script="Mong" typeface="Mongolian Baiti"/>
-        <a:font script="Viet" typeface="Times New Roman"/>
-        <a:font script="Uigh" typeface="Microsoft Uighur"/>
-        <a:font script="Geor" typeface="Sylfaen"/>
-      </a:majorFont>
-      <a:minorFont>
-        <a:latin typeface="Arial"/>
-        <a:ea typeface=""/>
-        <a:cs typeface=""/>
-        <a:font script="Jpan" typeface="ＭＳ Ｐゴシック"/>
-        <a:font script="Hang" typeface="맑은 고딕"/>
-        <a:font script="Hans" typeface="宋体"/>
-        <a:font script="Hant" typeface="新細明體"/>
-        <a:font script="Arab" typeface="Arial"/>
-        <a:font script="Hebr" typeface="Arial"/>
-        <a:font script="Thai" typeface="Cordia New"/>
-        <a:font script="Ethi" typeface="Nyala"/>
-        <a:font script="Beng" typeface="Vrinda"/>
-        <a:font script="Gujr" typeface="Shruti"/>
-        <a:font script="Khmr" typeface="DaunPenh"/>
-        <a:font script="Knda" typeface="Tunga"/>
-        <a:font script="Guru" typeface="Raavi"/>
-        <a:font script="Cans" typeface="Euphemia"/>
-        <a:font script="Cher" typeface="Plantagenet Cherokee"/>
-        <a:font script="Yiii" typeface="Microsoft Yi Baiti"/>
-        <a:font script="Tibt" typeface="Microsoft Himalaya"/>
-        <a:font script="Thaa" typeface="MV Boli"/>
-        <a:font script="Deva" typeface="Mangal"/>
-        <a:font script="Telu" typeface="Gautami"/>
-        <a:font script="Taml" typeface="Latha"/>
-        <a:font script="Syrc" typeface="Estrangelo Edessa"/>
-        <a:font script="Orya" typeface="Kalinga"/>
-        <a:font script="Mlym" typeface="Kartika"/>
-        <a:font script="Laoo" typeface="DokChampa"/>
-        <a:font script="Sinh" typeface="Iskoola Pota"/>
-        <a:font script="Mong" typeface="Mongolian Baiti"/>
-        <a:font script="Viet" typeface="Arial"/>
-        <a:font script="Uigh" typeface="Microsoft Uighur"/>
-        <a:font script="Geor" typeface="Sylfaen"/>
-      </a:minorFont>
-    </a:fontScheme>
-    <a:fmtScheme name="Office">
-      <a:fillStyleLst>
-        <a:solidFill>
-          <a:schemeClr val="phClr"/>
-        </a:solidFill>
-        <a:gradFill rotWithShape="1">
-          <a:gsLst>
-            <a:gs pos="0">
-              <a:schemeClr val="phClr">
-                <a:tint val="50000"/>
-                <a:satMod val="300000"/>
-              </a:schemeClr>
-            </a:gs>
-            <a:gs pos="35000">
-              <a:schemeClr val="phClr">
-                <a:tint val="37000"/>
-                <a:satMod val="300000"/>
-              </a:schemeClr>
-            </a:gs>
-            <a:gs pos="100000">
-              <a:schemeClr val="phClr">
-                <a:tint val="15000"/>
-                <a:satMod val="350000"/>
-              </a:schemeClr>
-            </a:gs>
-          </a:gsLst>
-          <a:lin ang="16200000" scaled="1"/>
-        </a:gradFill>
-        <a:gradFill rotWithShape="1">
-          <a:gsLst>
-            <a:gs pos="0">
-              <a:schemeClr val="phClr">
-                <a:tint val="100000"/>
-                <a:shade val="100000"/>
-                <a:satMod val="130000"/>
-              </a:schemeClr>
-            </a:gs>
-            <a:gs pos="100000">
-              <a:schemeClr val="phClr">
-                <a:tint val="50000"/>
-                <a:shade val="100000"/>
-                <a:satMod val="350000"/>
-              </a:schemeClr>
-            </a:gs>
-          </a:gsLst>
-          <a:lin ang="16200000" scaled="0"/>
-        </a:gradFill>
-      </a:fillStyleLst>
-      <a:lnStyleLst>
-        <a:ln w="9525" cap="flat" cmpd="sng" algn="ctr">
-          <a:solidFill>
-            <a:schemeClr val="phClr">
-              <a:shade val="95000"/>
-              <a:satMod val="105000"/>
-            </a:schemeClr>
-          </a:solidFill>
-          <a:prstDash val="solid"/>
-        </a:ln>
-        <a:ln w="25400" cap="flat" cmpd="sng" algn="ctr">
-          <a:solidFill>
-            <a:schemeClr val="phClr"/>
-          </a:solidFill>
-          <a:prstDash val="solid"/>
-        </a:ln>
-        <a:ln w="38100" cap="flat" cmpd="sng" algn="ctr">
-          <a:solidFill>
-            <a:schemeClr val="phClr"/>
-          </a:solidFill>
-          <a:prstDash val="solid"/>
-        </a:ln>
-      </a:lnStyleLst>
-      <a:effectStyleLst>
-        <a:effectStyle>
-          <a:effectLst>
-            <a:outerShdw blurRad="40000" dist="20000" dir="5400000" rotWithShape="0">
-              <a:srgbClr val="000000">
-                <a:alpha val="38000"/>
-              </a:srgbClr>
-            </a:outerShdw>
-          </a:effectLst>
-        </a:effectStyle>
-        <a:effectStyle>
-          <a:effectLst>
-            <a:outerShdw blurRad="40000" dist="23000" dir="5400000" rotWithShape="0">
-              <a:srgbClr val="000000">
-                <a:alpha val="35000"/>
-              </a:srgbClr>
-            </a:outerShdw>
-          </a:effectLst>
-        </a:effectStyle>
-        <a:effectStyle>
-          <a:effectLst>
-            <a:outerShdw blurRad="40000" dist="23000" dir="5400000" rotWithShape="0">
-              <a:srgbClr val="000000">
-                <a:alpha val="35000"/>
-              </a:srgbClr>
-            </a:outerShdw>
-          </a:effectLst>
-          <a:scene3d>
-            <a:camera prst="orthographicFront">
-              <a:rot lat="0" lon="0" rev="0"/>
-            </a:camera>
-            <a:lightRig rig="threePt" dir="t">
-              <a:rot lat="0" lon="0" rev="1200000"/>
-            </a:lightRig>
-          </a:scene3d>
-          <a:sp3d>
-            <a:bevelT w="63500" h="25400"/>
-          </a:sp3d>
-        </a:effectStyle>
-      </a:effectStyleLst>
-      <a:bgFillStyleLst>
-        <a:solidFill>
-          <a:schemeClr val="phClr"/>
-        </a:solidFill>
-        <a:gradFill rotWithShape="1">
-          <a:gsLst>
-            <a:gs pos="0">
-              <a:schemeClr val="phClr">
-                <a:tint val="40000"/>
-                <a:satMod val="350000"/>
-              </a:schemeClr>
-            </a:gs>
-            <a:gs pos="40000">
-              <a:schemeClr val="phClr">
-                <a:tint val="45000"/>
-                <a:shade val="99000"/>
-                <a:satMod val="350000"/>
-              </a:schemeClr>
-            </a:gs>
-            <a:gs pos="100000">
-              <a:schemeClr val="phClr">
-                <a:shade val="20000"/>
-                <a:satMod val="255000"/>
-              </a:schemeClr>
-            </a:gs>
-          </a:gsLst>
-          <a:path path="circle">
-            <a:fillToRect l="50000" t="-80000" r="50000" b="180000"/>
-          </a:path>
-        </a:gradFill>
-        <a:gradFill rotWithShape="1">
-          <a:gsLst>
-            <a:gs pos="0">
-              <a:schemeClr val="phClr">
-                <a:tint val="80000"/>
-                <a:satMod val="300000"/>
-              </a:schemeClr>
-            </a:gs>
-            <a:gs pos="100000">
-              <a:schemeClr val="phClr">
-                <a:shade val="30000"/>
-                <a:satMod val="200000"/>
-              </a:schemeClr>
-            </a:gs>
-          </a:gsLst>
-          <a:path path="circle">
-            <a:fillToRect l="50000" t="50000" r="50000" b="50000"/>
-          </a:path>
-        </a:gradFill>
-      </a:bgFillStyleLst>
-    </a:fmtScheme>
-  </a:themeElements>
-</a:theme>
 </file>